--- a/Gantt.pptx
+++ b/Gantt.pptx
@@ -9305,7 +9305,7 @@
               </a:defRPr>
             </a:pPr>
             <a:r>
-              <a:t>15</a:t>
+              <a:t>56</a:t>
             </a:r>
           </a:p>
         </p:txBody>
@@ -9381,7 +9381,7 @@
               </a:defRPr>
             </a:pPr>
             <a:r>
-              <a:t>Сессии ЮЛ</a:t>
+              <a:t>Sixth team</a:t>
             </a:r>
           </a:p>
           <a:p>
@@ -9394,7 +9394,7 @@
               </a:defRPr>
             </a:pPr>
             <a:r>
-              <a:t>Sazanov A.</a:t>
+              <a:t>Karpukas K.</a:t>
             </a:r>
           </a:p>
         </p:txBody>
@@ -9550,7 +9550,7 @@
               </a:defRPr>
             </a:pPr>
             <a:r>
-              <a:t>14</a:t>
+              <a:t>31</a:t>
             </a:r>
           </a:p>
         </p:txBody>
@@ -9626,7 +9626,7 @@
               </a:defRPr>
             </a:pPr>
             <a:r>
-              <a:t>Консолидация</a:t>
+              <a:t>7th team</a:t>
             </a:r>
           </a:p>
           <a:p>
@@ -9639,7 +9639,7 @@
               </a:defRPr>
             </a:pPr>
             <a:r>
-              <a:t>Schwarz N.</a:t>
+              <a:t>Kerck A.</a:t>
             </a:r>
           </a:p>
         </p:txBody>
@@ -9795,7 +9795,7 @@
               </a:defRPr>
             </a:pPr>
             <a:r>
-              <a:t>31</a:t>
+              <a:t>43</a:t>
             </a:r>
           </a:p>
         </p:txBody>
@@ -9871,7 +9871,7 @@
               </a:defRPr>
             </a:pPr>
             <a:r>
-              <a:t>Фин. Рынки</a:t>
+              <a:t>8th team</a:t>
             </a:r>
           </a:p>
           <a:p>
@@ -9884,7 +9884,7 @@
               </a:defRPr>
             </a:pPr>
             <a:r>
-              <a:t>Anisimov K.</a:t>
+              <a:t>Nikitin A.</a:t>
             </a:r>
           </a:p>
         </p:txBody>
@@ -10040,7 +10040,7 @@
               </a:defRPr>
             </a:pPr>
             <a:r>
-              <a:t>43</a:t>
+              <a:t>21</a:t>
             </a:r>
           </a:p>
         </p:txBody>
@@ -10116,7 +10116,7 @@
               </a:defRPr>
             </a:pPr>
             <a:r>
-              <a:t>Кластер РБ</a:t>
+              <a:t>9th team</a:t>
             </a:r>
           </a:p>
           <a:p>
@@ -10129,7 +10129,7 @@
               </a:defRPr>
             </a:pPr>
             <a:r>
-              <a:t>Kirillov A.</a:t>
+              <a:t>Karkas Aj.</a:t>
             </a:r>
           </a:p>
         </p:txBody>
@@ -10285,7 +10285,7 @@
               </a:defRPr>
             </a:pPr>
             <a:r>
-              <a:t>21</a:t>
+              <a:t>56</a:t>
             </a:r>
           </a:p>
         </p:txBody>
@@ -10361,7 +10361,7 @@
               </a:defRPr>
             </a:pPr>
             <a:r>
-              <a:t>Fifth team</a:t>
+              <a:t>10th team</a:t>
             </a:r>
           </a:p>
           <a:p>
@@ -10374,7 +10374,7 @@
               </a:defRPr>
             </a:pPr>
             <a:r>
-              <a:t>Furkas Aj.</a:t>
+              <a:t>Atas K.</a:t>
             </a:r>
           </a:p>
         </p:txBody>
@@ -10806,7 +10806,7 @@
               </a:defRPr>
             </a:pPr>
             <a:r>
-              <a:t>15</a:t>
+              <a:t>56</a:t>
             </a:r>
           </a:p>
         </p:txBody>
@@ -10882,7 +10882,7 @@
               </a:defRPr>
             </a:pPr>
             <a:r>
-              <a:t>Сессии ЮЛ</a:t>
+              <a:t>Sixth team</a:t>
             </a:r>
           </a:p>
           <a:p>
@@ -10895,7 +10895,7 @@
               </a:defRPr>
             </a:pPr>
             <a:r>
-              <a:t>Sazanov A.</a:t>
+              <a:t>Karpukas K.</a:t>
             </a:r>
           </a:p>
         </p:txBody>
@@ -11051,7 +11051,7 @@
               </a:defRPr>
             </a:pPr>
             <a:r>
-              <a:t>14</a:t>
+              <a:t>31</a:t>
             </a:r>
           </a:p>
         </p:txBody>
@@ -11127,7 +11127,7 @@
               </a:defRPr>
             </a:pPr>
             <a:r>
-              <a:t>Консолидация</a:t>
+              <a:t>7th team</a:t>
             </a:r>
           </a:p>
           <a:p>
@@ -11140,7 +11140,7 @@
               </a:defRPr>
             </a:pPr>
             <a:r>
-              <a:t>Schwarz N.</a:t>
+              <a:t>Kerck A.</a:t>
             </a:r>
           </a:p>
         </p:txBody>
@@ -11296,7 +11296,7 @@
               </a:defRPr>
             </a:pPr>
             <a:r>
-              <a:t>31</a:t>
+              <a:t>43</a:t>
             </a:r>
           </a:p>
         </p:txBody>
@@ -11372,7 +11372,7 @@
               </a:defRPr>
             </a:pPr>
             <a:r>
-              <a:t>Фин. Рынки</a:t>
+              <a:t>8th team</a:t>
             </a:r>
           </a:p>
           <a:p>
@@ -11385,7 +11385,7 @@
               </a:defRPr>
             </a:pPr>
             <a:r>
-              <a:t>Anisimov K.</a:t>
+              <a:t>Nikitin A.</a:t>
             </a:r>
           </a:p>
         </p:txBody>
@@ -11541,7 +11541,7 @@
               </a:defRPr>
             </a:pPr>
             <a:r>
-              <a:t>43</a:t>
+              <a:t>21</a:t>
             </a:r>
           </a:p>
         </p:txBody>
@@ -11617,7 +11617,7 @@
               </a:defRPr>
             </a:pPr>
             <a:r>
-              <a:t>Кластер РБ</a:t>
+              <a:t>9th team</a:t>
             </a:r>
           </a:p>
           <a:p>
@@ -11630,7 +11630,7 @@
               </a:defRPr>
             </a:pPr>
             <a:r>
-              <a:t>Kirillov A.</a:t>
+              <a:t>Karkas Aj.</a:t>
             </a:r>
           </a:p>
         </p:txBody>
@@ -11786,7 +11786,7 @@
               </a:defRPr>
             </a:pPr>
             <a:r>
-              <a:t>21</a:t>
+              <a:t>56</a:t>
             </a:r>
           </a:p>
         </p:txBody>
@@ -11862,7 +11862,7 @@
               </a:defRPr>
             </a:pPr>
             <a:r>
-              <a:t>Fifth team</a:t>
+              <a:t>10th team</a:t>
             </a:r>
           </a:p>
           <a:p>
@@ -11875,7 +11875,7 @@
               </a:defRPr>
             </a:pPr>
             <a:r>
-              <a:t>Furkas Aj.</a:t>
+              <a:t>Atas K.</a:t>
             </a:r>
           </a:p>
         </p:txBody>
@@ -12307,7 +12307,7 @@
               </a:defRPr>
             </a:pPr>
             <a:r>
-              <a:t>15</a:t>
+              <a:t>56</a:t>
             </a:r>
           </a:p>
         </p:txBody>
@@ -12383,7 +12383,7 @@
               </a:defRPr>
             </a:pPr>
             <a:r>
-              <a:t>Сессии ЮЛ</a:t>
+              <a:t>Sixth team</a:t>
             </a:r>
           </a:p>
           <a:p>
@@ -12396,7 +12396,7 @@
               </a:defRPr>
             </a:pPr>
             <a:r>
-              <a:t>Sazanov A.</a:t>
+              <a:t>Karpukas K.</a:t>
             </a:r>
           </a:p>
         </p:txBody>
@@ -12552,7 +12552,7 @@
               </a:defRPr>
             </a:pPr>
             <a:r>
-              <a:t>14</a:t>
+              <a:t>31</a:t>
             </a:r>
           </a:p>
         </p:txBody>
@@ -12628,7 +12628,7 @@
               </a:defRPr>
             </a:pPr>
             <a:r>
-              <a:t>Консолидация</a:t>
+              <a:t>7th team</a:t>
             </a:r>
           </a:p>
           <a:p>
@@ -12641,7 +12641,7 @@
               </a:defRPr>
             </a:pPr>
             <a:r>
-              <a:t>Schwarz N.</a:t>
+              <a:t>Kerck A.</a:t>
             </a:r>
           </a:p>
         </p:txBody>
@@ -12797,7 +12797,7 @@
               </a:defRPr>
             </a:pPr>
             <a:r>
-              <a:t>31</a:t>
+              <a:t>43</a:t>
             </a:r>
           </a:p>
         </p:txBody>
@@ -12873,7 +12873,7 @@
               </a:defRPr>
             </a:pPr>
             <a:r>
-              <a:t>Фин. Рынки</a:t>
+              <a:t>8th team</a:t>
             </a:r>
           </a:p>
           <a:p>
@@ -12886,7 +12886,7 @@
               </a:defRPr>
             </a:pPr>
             <a:r>
-              <a:t>Anisimov K.</a:t>
+              <a:t>Nikitin A.</a:t>
             </a:r>
           </a:p>
         </p:txBody>
@@ -13042,7 +13042,7 @@
               </a:defRPr>
             </a:pPr>
             <a:r>
-              <a:t>43</a:t>
+              <a:t>21</a:t>
             </a:r>
           </a:p>
         </p:txBody>
@@ -13118,7 +13118,7 @@
               </a:defRPr>
             </a:pPr>
             <a:r>
-              <a:t>Кластер РБ</a:t>
+              <a:t>9th team</a:t>
             </a:r>
           </a:p>
           <a:p>
@@ -13131,7 +13131,7 @@
               </a:defRPr>
             </a:pPr>
             <a:r>
-              <a:t>Kirillov A.</a:t>
+              <a:t>Karkas Aj.</a:t>
             </a:r>
           </a:p>
         </p:txBody>
@@ -13287,7 +13287,7 @@
               </a:defRPr>
             </a:pPr>
             <a:r>
-              <a:t>21</a:t>
+              <a:t>56</a:t>
             </a:r>
           </a:p>
         </p:txBody>
@@ -13363,7 +13363,7 @@
               </a:defRPr>
             </a:pPr>
             <a:r>
-              <a:t>Fifth team</a:t>
+              <a:t>10th team</a:t>
             </a:r>
           </a:p>
           <a:p>
@@ -13376,7 +13376,7 @@
               </a:defRPr>
             </a:pPr>
             <a:r>
-              <a:t>Furkas Aj.</a:t>
+              <a:t>Atas K.</a:t>
             </a:r>
           </a:p>
         </p:txBody>
@@ -35216,8 +35216,8 @@
         </p:nvSpPr>
         <p:spPr>
           <a:xfrm>
-            <a:off x="3308400" y="5428800"/>
-            <a:ext cx="5472000" cy="813599"/>
+            <a:off x="2966399" y="5428800"/>
+            <a:ext cx="5813999" cy="813599"/>
           </a:xfrm>
           <a:prstGeom prst="roundRect">
             <a:avLst>
@@ -35266,8 +35266,8 @@
         </p:nvSpPr>
         <p:spPr>
           <a:xfrm>
-            <a:off x="3650400" y="4348800"/>
-            <a:ext cx="5130000" cy="813599"/>
+            <a:off x="3308400" y="4348800"/>
+            <a:ext cx="5472000" cy="813599"/>
           </a:xfrm>
           <a:prstGeom prst="roundRect">
             <a:avLst>
@@ -35316,8 +35316,8 @@
         </p:nvSpPr>
         <p:spPr>
           <a:xfrm>
-            <a:off x="4334400" y="3268800"/>
-            <a:ext cx="4446000" cy="813599"/>
+            <a:off x="3650400" y="3268800"/>
+            <a:ext cx="5130000" cy="813599"/>
           </a:xfrm>
           <a:prstGeom prst="roundRect">
             <a:avLst>
@@ -35489,7 +35489,7 @@
               </a:defRPr>
             </a:pPr>
             <a:r>
-              <a:t>15</a:t>
+              <a:t>56</a:t>
             </a:r>
           </a:p>
         </p:txBody>
@@ -35565,7 +35565,7 @@
               </a:defRPr>
             </a:pPr>
             <a:r>
-              <a:t>Сессии ЮЛ</a:t>
+              <a:t>Sixth team</a:t>
             </a:r>
           </a:p>
           <a:p>
@@ -35578,7 +35578,7 @@
               </a:defRPr>
             </a:pPr>
             <a:r>
-              <a:t>Sazanov A.</a:t>
+              <a:t>Karpukas K.</a:t>
             </a:r>
           </a:p>
         </p:txBody>
@@ -35734,7 +35734,7 @@
               </a:defRPr>
             </a:pPr>
             <a:r>
-              <a:t>14</a:t>
+              <a:t>31</a:t>
             </a:r>
           </a:p>
         </p:txBody>
@@ -35810,7 +35810,7 @@
               </a:defRPr>
             </a:pPr>
             <a:r>
-              <a:t>Консолидация</a:t>
+              <a:t>7th team</a:t>
             </a:r>
           </a:p>
           <a:p>
@@ -35823,7 +35823,7 @@
               </a:defRPr>
             </a:pPr>
             <a:r>
-              <a:t>Schwarz N.</a:t>
+              <a:t>Kerck A.</a:t>
             </a:r>
           </a:p>
         </p:txBody>
@@ -35979,7 +35979,7 @@
               </a:defRPr>
             </a:pPr>
             <a:r>
-              <a:t>31</a:t>
+              <a:t>43</a:t>
             </a:r>
           </a:p>
         </p:txBody>
@@ -36055,7 +36055,7 @@
               </a:defRPr>
             </a:pPr>
             <a:r>
-              <a:t>Фин. Рынки</a:t>
+              <a:t>8th team</a:t>
             </a:r>
           </a:p>
           <a:p>
@@ -36068,7 +36068,7 @@
               </a:defRPr>
             </a:pPr>
             <a:r>
-              <a:t>Anisimov K.</a:t>
+              <a:t>Nikitin A.</a:t>
             </a:r>
           </a:p>
         </p:txBody>
@@ -36224,7 +36224,7 @@
               </a:defRPr>
             </a:pPr>
             <a:r>
-              <a:t>43</a:t>
+              <a:t>21</a:t>
             </a:r>
           </a:p>
         </p:txBody>
@@ -36300,7 +36300,7 @@
               </a:defRPr>
             </a:pPr>
             <a:r>
-              <a:t>Кластер РБ</a:t>
+              <a:t>9th team</a:t>
             </a:r>
           </a:p>
           <a:p>
@@ -36313,7 +36313,7 @@
               </a:defRPr>
             </a:pPr>
             <a:r>
-              <a:t>Kirillov A.</a:t>
+              <a:t>Karkas Aj.</a:t>
             </a:r>
           </a:p>
         </p:txBody>
@@ -36469,7 +36469,7 @@
               </a:defRPr>
             </a:pPr>
             <a:r>
-              <a:t>21</a:t>
+              <a:t>56</a:t>
             </a:r>
           </a:p>
         </p:txBody>
@@ -36545,7 +36545,7 @@
               </a:defRPr>
             </a:pPr>
             <a:r>
-              <a:t>Fifth team</a:t>
+              <a:t>10th team</a:t>
             </a:r>
           </a:p>
           <a:p>
@@ -36558,7 +36558,7 @@
               </a:defRPr>
             </a:pPr>
             <a:r>
-              <a:t>Furkas Aj.</a:t>
+              <a:t>Atas K.</a:t>
             </a:r>
           </a:p>
         </p:txBody>
@@ -36917,8 +36917,8 @@
         </p:nvSpPr>
         <p:spPr>
           <a:xfrm>
-            <a:off x="4334400" y="1108800"/>
-            <a:ext cx="4446000" cy="813599"/>
+            <a:off x="2966399" y="1108800"/>
+            <a:ext cx="5813999" cy="813599"/>
           </a:xfrm>
           <a:prstGeom prst="roundRect">
             <a:avLst>
@@ -36990,7 +36990,7 @@
               </a:defRPr>
             </a:pPr>
             <a:r>
-              <a:t>15</a:t>
+              <a:t>56</a:t>
             </a:r>
           </a:p>
         </p:txBody>
@@ -37066,7 +37066,7 @@
               </a:defRPr>
             </a:pPr>
             <a:r>
-              <a:t>Сессии ЮЛ</a:t>
+              <a:t>Sixth team</a:t>
             </a:r>
           </a:p>
           <a:p>
@@ -37079,7 +37079,7 @@
               </a:defRPr>
             </a:pPr>
             <a:r>
-              <a:t>Sazanov A.</a:t>
+              <a:t>Karpukas K.</a:t>
             </a:r>
           </a:p>
         </p:txBody>
@@ -37235,7 +37235,7 @@
               </a:defRPr>
             </a:pPr>
             <a:r>
-              <a:t>14</a:t>
+              <a:t>31</a:t>
             </a:r>
           </a:p>
         </p:txBody>
@@ -37311,7 +37311,7 @@
               </a:defRPr>
             </a:pPr>
             <a:r>
-              <a:t>Консолидация</a:t>
+              <a:t>7th team</a:t>
             </a:r>
           </a:p>
           <a:p>
@@ -37324,7 +37324,7 @@
               </a:defRPr>
             </a:pPr>
             <a:r>
-              <a:t>Schwarz N.</a:t>
+              <a:t>Kerck A.</a:t>
             </a:r>
           </a:p>
         </p:txBody>
@@ -37480,7 +37480,7 @@
               </a:defRPr>
             </a:pPr>
             <a:r>
-              <a:t>31</a:t>
+              <a:t>43</a:t>
             </a:r>
           </a:p>
         </p:txBody>
@@ -37556,7 +37556,7 @@
               </a:defRPr>
             </a:pPr>
             <a:r>
-              <a:t>Фин. Рынки</a:t>
+              <a:t>8th team</a:t>
             </a:r>
           </a:p>
           <a:p>
@@ -37569,7 +37569,7 @@
               </a:defRPr>
             </a:pPr>
             <a:r>
-              <a:t>Anisimov K.</a:t>
+              <a:t>Nikitin A.</a:t>
             </a:r>
           </a:p>
         </p:txBody>
@@ -37725,7 +37725,7 @@
               </a:defRPr>
             </a:pPr>
             <a:r>
-              <a:t>43</a:t>
+              <a:t>21</a:t>
             </a:r>
           </a:p>
         </p:txBody>
@@ -37801,7 +37801,7 @@
               </a:defRPr>
             </a:pPr>
             <a:r>
-              <a:t>Кластер РБ</a:t>
+              <a:t>9th team</a:t>
             </a:r>
           </a:p>
           <a:p>
@@ -37814,7 +37814,7 @@
               </a:defRPr>
             </a:pPr>
             <a:r>
-              <a:t>Kirillov A.</a:t>
+              <a:t>Karkas Aj.</a:t>
             </a:r>
           </a:p>
         </p:txBody>
@@ -37970,7 +37970,7 @@
               </a:defRPr>
             </a:pPr>
             <a:r>
-              <a:t>21</a:t>
+              <a:t>56</a:t>
             </a:r>
           </a:p>
         </p:txBody>
@@ -38046,7 +38046,7 @@
               </a:defRPr>
             </a:pPr>
             <a:r>
-              <a:t>Fifth team</a:t>
+              <a:t>10th team</a:t>
             </a:r>
           </a:p>
           <a:p>
@@ -38059,7 +38059,7 @@
               </a:defRPr>
             </a:pPr>
             <a:r>
-              <a:t>Furkas Aj.</a:t>
+              <a:t>Atas K.</a:t>
             </a:r>
           </a:p>
         </p:txBody>

--- a/Gantt.pptx
+++ b/Gantt.pptx
@@ -19601,7 +19601,1687 @@
       <p:grpSpPr/>
       <p:sp>
         <p:nvSpPr>
-          <p:cNvPr id="2" name="Rounded Rectangle 1">
+          <p:cNvPr id="2" name="Rectangle 1"/>
+          <p:cNvSpPr/>
+          <p:nvPr/>
+        </p:nvSpPr>
+        <p:spPr>
+          <a:xfrm>
+            <a:off x="1440000" y="435599"/>
+            <a:ext cx="1440" cy="6263999"/>
+          </a:xfrm>
+          <a:prstGeom prst="rect">
+            <a:avLst/>
+          </a:prstGeom>
+          <a:solidFill>
+            <a:srgbClr val="464853"/>
+          </a:solidFill>
+          <a:ln>
+            <a:solidFill>
+              <a:srgbClr val="464853"/>
+            </a:solidFill>
+          </a:ln>
+          <a:effectLst/>
+        </p:spPr>
+        <p:style>
+          <a:lnRef idx="1">
+            <a:schemeClr val="accent1"/>
+          </a:lnRef>
+          <a:fillRef idx="3">
+            <a:schemeClr val="accent1"/>
+          </a:fillRef>
+          <a:effectRef idx="2">
+            <a:schemeClr val="accent1"/>
+          </a:effectRef>
+          <a:fontRef idx="minor">
+            <a:schemeClr val="lt1"/>
+          </a:fontRef>
+        </p:style>
+        <p:txBody>
+          <a:bodyPr rtlCol="0" anchor="ctr"/>
+          <a:lstStyle/>
+          <a:p>
+            <a:pPr algn="ctr"/>
+          </a:p>
+        </p:txBody>
+      </p:sp>
+      <p:sp>
+        <p:nvSpPr>
+          <p:cNvPr id="3" name="Rounded Rectangle 2"/>
+          <p:cNvSpPr/>
+          <p:nvPr/>
+        </p:nvSpPr>
+        <p:spPr>
+          <a:xfrm>
+            <a:off x="1569600" y="183600"/>
+            <a:ext cx="936000" cy="216000"/>
+          </a:xfrm>
+          <a:prstGeom prst="roundRect">
+            <a:avLst/>
+          </a:prstGeom>
+          <a:solidFill>
+            <a:srgbClr val="464853"/>
+          </a:solidFill>
+          <a:ln w="3">
+            <a:solidFill>
+              <a:srgbClr val="464853"/>
+            </a:solidFill>
+          </a:ln>
+          <a:effectLst/>
+        </p:spPr>
+        <p:style>
+          <a:lnRef idx="1">
+            <a:schemeClr val="accent1"/>
+          </a:lnRef>
+          <a:fillRef idx="3">
+            <a:schemeClr val="accent1"/>
+          </a:fillRef>
+          <a:effectRef idx="2">
+            <a:schemeClr val="accent1"/>
+          </a:effectRef>
+          <a:fontRef idx="minor">
+            <a:schemeClr val="lt1"/>
+          </a:fontRef>
+        </p:style>
+        <p:txBody>
+          <a:bodyPr rtlCol="0" anchor="ctr"/>
+          <a:lstStyle/>
+          <a:p>
+            <a:pPr algn="ctr">
+              <a:defRPr sz="1050">
+                <a:solidFill>
+                  <a:srgbClr val="FFFFFF"/>
+                </a:solidFill>
+                <a:latin typeface="Segoe UI Semibold"/>
+              </a:defRPr>
+            </a:pPr>
+            <a:r>
+              <a:t>Q4 2021</a:t>
+            </a:r>
+          </a:p>
+        </p:txBody>
+      </p:sp>
+      <p:sp>
+        <p:nvSpPr>
+          <p:cNvPr id="4" name="Rectangle 3"/>
+          <p:cNvSpPr/>
+          <p:nvPr/>
+        </p:nvSpPr>
+        <p:spPr>
+          <a:xfrm>
+            <a:off x="2628000" y="435599"/>
+            <a:ext cx="1440" cy="6263999"/>
+          </a:xfrm>
+          <a:prstGeom prst="rect">
+            <a:avLst/>
+          </a:prstGeom>
+          <a:solidFill>
+            <a:srgbClr val="464853"/>
+          </a:solidFill>
+          <a:ln>
+            <a:solidFill>
+              <a:srgbClr val="464853"/>
+            </a:solidFill>
+          </a:ln>
+          <a:effectLst/>
+        </p:spPr>
+        <p:style>
+          <a:lnRef idx="1">
+            <a:schemeClr val="accent1"/>
+          </a:lnRef>
+          <a:fillRef idx="3">
+            <a:schemeClr val="accent1"/>
+          </a:fillRef>
+          <a:effectRef idx="2">
+            <a:schemeClr val="accent1"/>
+          </a:effectRef>
+          <a:fontRef idx="minor">
+            <a:schemeClr val="lt1"/>
+          </a:fontRef>
+        </p:style>
+        <p:txBody>
+          <a:bodyPr rtlCol="0" anchor="ctr"/>
+          <a:lstStyle/>
+          <a:p>
+            <a:pPr algn="ctr"/>
+          </a:p>
+        </p:txBody>
+      </p:sp>
+      <p:sp>
+        <p:nvSpPr>
+          <p:cNvPr id="5" name="Rounded Rectangle 4"/>
+          <p:cNvSpPr/>
+          <p:nvPr/>
+        </p:nvSpPr>
+        <p:spPr>
+          <a:xfrm>
+            <a:off x="2727257" y="183600"/>
+            <a:ext cx="936000" cy="216000"/>
+          </a:xfrm>
+          <a:prstGeom prst="roundRect">
+            <a:avLst/>
+          </a:prstGeom>
+          <a:solidFill>
+            <a:srgbClr val="464853"/>
+          </a:solidFill>
+          <a:ln w="3">
+            <a:solidFill>
+              <a:srgbClr val="464853"/>
+            </a:solidFill>
+          </a:ln>
+          <a:effectLst/>
+        </p:spPr>
+        <p:style>
+          <a:lnRef idx="1">
+            <a:schemeClr val="accent1"/>
+          </a:lnRef>
+          <a:fillRef idx="3">
+            <a:schemeClr val="accent1"/>
+          </a:fillRef>
+          <a:effectRef idx="2">
+            <a:schemeClr val="accent1"/>
+          </a:effectRef>
+          <a:fontRef idx="minor">
+            <a:schemeClr val="lt1"/>
+          </a:fontRef>
+        </p:style>
+        <p:txBody>
+          <a:bodyPr rtlCol="0" anchor="ctr"/>
+          <a:lstStyle/>
+          <a:p>
+            <a:pPr algn="ctr">
+              <a:defRPr sz="1050">
+                <a:solidFill>
+                  <a:srgbClr val="FFFFFF"/>
+                </a:solidFill>
+                <a:latin typeface="Segoe UI Semibold"/>
+              </a:defRPr>
+            </a:pPr>
+            <a:r>
+              <a:t>Q1 2022</a:t>
+            </a:r>
+          </a:p>
+        </p:txBody>
+      </p:sp>
+      <p:sp>
+        <p:nvSpPr>
+          <p:cNvPr id="6" name="Rectangle 5"/>
+          <p:cNvSpPr/>
+          <p:nvPr/>
+        </p:nvSpPr>
+        <p:spPr>
+          <a:xfrm>
+            <a:off x="3785657" y="435599"/>
+            <a:ext cx="1440" cy="6263999"/>
+          </a:xfrm>
+          <a:prstGeom prst="rect">
+            <a:avLst/>
+          </a:prstGeom>
+          <a:solidFill>
+            <a:srgbClr val="464853"/>
+          </a:solidFill>
+          <a:ln>
+            <a:solidFill>
+              <a:srgbClr val="464853"/>
+            </a:solidFill>
+          </a:ln>
+          <a:effectLst/>
+        </p:spPr>
+        <p:style>
+          <a:lnRef idx="1">
+            <a:schemeClr val="accent1"/>
+          </a:lnRef>
+          <a:fillRef idx="3">
+            <a:schemeClr val="accent1"/>
+          </a:fillRef>
+          <a:effectRef idx="2">
+            <a:schemeClr val="accent1"/>
+          </a:effectRef>
+          <a:fontRef idx="minor">
+            <a:schemeClr val="lt1"/>
+          </a:fontRef>
+        </p:style>
+        <p:txBody>
+          <a:bodyPr rtlCol="0" anchor="ctr"/>
+          <a:lstStyle/>
+          <a:p>
+            <a:pPr algn="ctr"/>
+          </a:p>
+        </p:txBody>
+      </p:sp>
+      <p:sp>
+        <p:nvSpPr>
+          <p:cNvPr id="7" name="Rounded Rectangle 6"/>
+          <p:cNvSpPr/>
+          <p:nvPr/>
+        </p:nvSpPr>
+        <p:spPr>
+          <a:xfrm>
+            <a:off x="3884914" y="183600"/>
+            <a:ext cx="936000" cy="216000"/>
+          </a:xfrm>
+          <a:prstGeom prst="roundRect">
+            <a:avLst/>
+          </a:prstGeom>
+          <a:solidFill>
+            <a:srgbClr val="464853"/>
+          </a:solidFill>
+          <a:ln w="3">
+            <a:solidFill>
+              <a:srgbClr val="464853"/>
+            </a:solidFill>
+          </a:ln>
+          <a:effectLst/>
+        </p:spPr>
+        <p:style>
+          <a:lnRef idx="1">
+            <a:schemeClr val="accent1"/>
+          </a:lnRef>
+          <a:fillRef idx="3">
+            <a:schemeClr val="accent1"/>
+          </a:fillRef>
+          <a:effectRef idx="2">
+            <a:schemeClr val="accent1"/>
+          </a:effectRef>
+          <a:fontRef idx="minor">
+            <a:schemeClr val="lt1"/>
+          </a:fontRef>
+        </p:style>
+        <p:txBody>
+          <a:bodyPr rtlCol="0" anchor="ctr"/>
+          <a:lstStyle/>
+          <a:p>
+            <a:pPr algn="ctr">
+              <a:defRPr sz="1050">
+                <a:solidFill>
+                  <a:srgbClr val="FFFFFF"/>
+                </a:solidFill>
+                <a:latin typeface="Segoe UI Semibold"/>
+              </a:defRPr>
+            </a:pPr>
+            <a:r>
+              <a:t>Q2 2022</a:t>
+            </a:r>
+          </a:p>
+        </p:txBody>
+      </p:sp>
+      <p:sp>
+        <p:nvSpPr>
+          <p:cNvPr id="8" name="Rectangle 7"/>
+          <p:cNvSpPr/>
+          <p:nvPr/>
+        </p:nvSpPr>
+        <p:spPr>
+          <a:xfrm>
+            <a:off x="4943314" y="435599"/>
+            <a:ext cx="1440" cy="6263999"/>
+          </a:xfrm>
+          <a:prstGeom prst="rect">
+            <a:avLst/>
+          </a:prstGeom>
+          <a:solidFill>
+            <a:srgbClr val="464853"/>
+          </a:solidFill>
+          <a:ln>
+            <a:solidFill>
+              <a:srgbClr val="464853"/>
+            </a:solidFill>
+          </a:ln>
+          <a:effectLst/>
+        </p:spPr>
+        <p:style>
+          <a:lnRef idx="1">
+            <a:schemeClr val="accent1"/>
+          </a:lnRef>
+          <a:fillRef idx="3">
+            <a:schemeClr val="accent1"/>
+          </a:fillRef>
+          <a:effectRef idx="2">
+            <a:schemeClr val="accent1"/>
+          </a:effectRef>
+          <a:fontRef idx="minor">
+            <a:schemeClr val="lt1"/>
+          </a:fontRef>
+        </p:style>
+        <p:txBody>
+          <a:bodyPr rtlCol="0" anchor="ctr"/>
+          <a:lstStyle/>
+          <a:p>
+            <a:pPr algn="ctr"/>
+          </a:p>
+        </p:txBody>
+      </p:sp>
+      <p:sp>
+        <p:nvSpPr>
+          <p:cNvPr id="9" name="Rounded Rectangle 8"/>
+          <p:cNvSpPr/>
+          <p:nvPr/>
+        </p:nvSpPr>
+        <p:spPr>
+          <a:xfrm>
+            <a:off x="5042571" y="183600"/>
+            <a:ext cx="936000" cy="216000"/>
+          </a:xfrm>
+          <a:prstGeom prst="roundRect">
+            <a:avLst/>
+          </a:prstGeom>
+          <a:solidFill>
+            <a:srgbClr val="464853"/>
+          </a:solidFill>
+          <a:ln w="3">
+            <a:solidFill>
+              <a:srgbClr val="464853"/>
+            </a:solidFill>
+          </a:ln>
+          <a:effectLst/>
+        </p:spPr>
+        <p:style>
+          <a:lnRef idx="1">
+            <a:schemeClr val="accent1"/>
+          </a:lnRef>
+          <a:fillRef idx="3">
+            <a:schemeClr val="accent1"/>
+          </a:fillRef>
+          <a:effectRef idx="2">
+            <a:schemeClr val="accent1"/>
+          </a:effectRef>
+          <a:fontRef idx="minor">
+            <a:schemeClr val="lt1"/>
+          </a:fontRef>
+        </p:style>
+        <p:txBody>
+          <a:bodyPr rtlCol="0" anchor="ctr"/>
+          <a:lstStyle/>
+          <a:p>
+            <a:pPr algn="ctr">
+              <a:defRPr sz="1050">
+                <a:solidFill>
+                  <a:srgbClr val="FFFFFF"/>
+                </a:solidFill>
+                <a:latin typeface="Segoe UI Semibold"/>
+              </a:defRPr>
+            </a:pPr>
+            <a:r>
+              <a:t>Q3 2022</a:t>
+            </a:r>
+          </a:p>
+        </p:txBody>
+      </p:sp>
+      <p:sp>
+        <p:nvSpPr>
+          <p:cNvPr id="10" name="Rectangle 9"/>
+          <p:cNvSpPr/>
+          <p:nvPr/>
+        </p:nvSpPr>
+        <p:spPr>
+          <a:xfrm>
+            <a:off x="6100971" y="435599"/>
+            <a:ext cx="1440" cy="6263999"/>
+          </a:xfrm>
+          <a:prstGeom prst="rect">
+            <a:avLst/>
+          </a:prstGeom>
+          <a:solidFill>
+            <a:srgbClr val="464853"/>
+          </a:solidFill>
+          <a:ln>
+            <a:solidFill>
+              <a:srgbClr val="464853"/>
+            </a:solidFill>
+          </a:ln>
+          <a:effectLst/>
+        </p:spPr>
+        <p:style>
+          <a:lnRef idx="1">
+            <a:schemeClr val="accent1"/>
+          </a:lnRef>
+          <a:fillRef idx="3">
+            <a:schemeClr val="accent1"/>
+          </a:fillRef>
+          <a:effectRef idx="2">
+            <a:schemeClr val="accent1"/>
+          </a:effectRef>
+          <a:fontRef idx="minor">
+            <a:schemeClr val="lt1"/>
+          </a:fontRef>
+        </p:style>
+        <p:txBody>
+          <a:bodyPr rtlCol="0" anchor="ctr"/>
+          <a:lstStyle/>
+          <a:p>
+            <a:pPr algn="ctr"/>
+          </a:p>
+        </p:txBody>
+      </p:sp>
+      <p:sp>
+        <p:nvSpPr>
+          <p:cNvPr id="11" name="Rounded Rectangle 10"/>
+          <p:cNvSpPr/>
+          <p:nvPr/>
+        </p:nvSpPr>
+        <p:spPr>
+          <a:xfrm>
+            <a:off x="6200228" y="183600"/>
+            <a:ext cx="936000" cy="216000"/>
+          </a:xfrm>
+          <a:prstGeom prst="roundRect">
+            <a:avLst/>
+          </a:prstGeom>
+          <a:solidFill>
+            <a:srgbClr val="464853"/>
+          </a:solidFill>
+          <a:ln w="3">
+            <a:solidFill>
+              <a:srgbClr val="464853"/>
+            </a:solidFill>
+          </a:ln>
+          <a:effectLst/>
+        </p:spPr>
+        <p:style>
+          <a:lnRef idx="1">
+            <a:schemeClr val="accent1"/>
+          </a:lnRef>
+          <a:fillRef idx="3">
+            <a:schemeClr val="accent1"/>
+          </a:fillRef>
+          <a:effectRef idx="2">
+            <a:schemeClr val="accent1"/>
+          </a:effectRef>
+          <a:fontRef idx="minor">
+            <a:schemeClr val="lt1"/>
+          </a:fontRef>
+        </p:style>
+        <p:txBody>
+          <a:bodyPr rtlCol="0" anchor="ctr"/>
+          <a:lstStyle/>
+          <a:p>
+            <a:pPr algn="ctr">
+              <a:defRPr sz="1050">
+                <a:solidFill>
+                  <a:srgbClr val="FFFFFF"/>
+                </a:solidFill>
+                <a:latin typeface="Segoe UI Semibold"/>
+              </a:defRPr>
+            </a:pPr>
+            <a:r>
+              <a:t>Q4 2022</a:t>
+            </a:r>
+          </a:p>
+        </p:txBody>
+      </p:sp>
+      <p:sp>
+        <p:nvSpPr>
+          <p:cNvPr id="12" name="Rectangle 11"/>
+          <p:cNvSpPr/>
+          <p:nvPr/>
+        </p:nvSpPr>
+        <p:spPr>
+          <a:xfrm>
+            <a:off x="7258628" y="435599"/>
+            <a:ext cx="1440" cy="6263999"/>
+          </a:xfrm>
+          <a:prstGeom prst="rect">
+            <a:avLst/>
+          </a:prstGeom>
+          <a:solidFill>
+            <a:srgbClr val="464853"/>
+          </a:solidFill>
+          <a:ln>
+            <a:solidFill>
+              <a:srgbClr val="464853"/>
+            </a:solidFill>
+          </a:ln>
+          <a:effectLst/>
+        </p:spPr>
+        <p:style>
+          <a:lnRef idx="1">
+            <a:schemeClr val="accent1"/>
+          </a:lnRef>
+          <a:fillRef idx="3">
+            <a:schemeClr val="accent1"/>
+          </a:fillRef>
+          <a:effectRef idx="2">
+            <a:schemeClr val="accent1"/>
+          </a:effectRef>
+          <a:fontRef idx="minor">
+            <a:schemeClr val="lt1"/>
+          </a:fontRef>
+        </p:style>
+        <p:txBody>
+          <a:bodyPr rtlCol="0" anchor="ctr"/>
+          <a:lstStyle/>
+          <a:p>
+            <a:pPr algn="ctr"/>
+          </a:p>
+        </p:txBody>
+      </p:sp>
+      <p:sp>
+        <p:nvSpPr>
+          <p:cNvPr id="13" name="Rounded Rectangle 12"/>
+          <p:cNvSpPr/>
+          <p:nvPr/>
+        </p:nvSpPr>
+        <p:spPr>
+          <a:xfrm>
+            <a:off x="7357885" y="183600"/>
+            <a:ext cx="936000" cy="216000"/>
+          </a:xfrm>
+          <a:prstGeom prst="roundRect">
+            <a:avLst/>
+          </a:prstGeom>
+          <a:solidFill>
+            <a:srgbClr val="464853"/>
+          </a:solidFill>
+          <a:ln w="3">
+            <a:solidFill>
+              <a:srgbClr val="464853"/>
+            </a:solidFill>
+          </a:ln>
+          <a:effectLst/>
+        </p:spPr>
+        <p:style>
+          <a:lnRef idx="1">
+            <a:schemeClr val="accent1"/>
+          </a:lnRef>
+          <a:fillRef idx="3">
+            <a:schemeClr val="accent1"/>
+          </a:fillRef>
+          <a:effectRef idx="2">
+            <a:schemeClr val="accent1"/>
+          </a:effectRef>
+          <a:fontRef idx="minor">
+            <a:schemeClr val="lt1"/>
+          </a:fontRef>
+        </p:style>
+        <p:txBody>
+          <a:bodyPr rtlCol="0" anchor="ctr"/>
+          <a:lstStyle/>
+          <a:p>
+            <a:pPr algn="ctr">
+              <a:defRPr sz="1050">
+                <a:solidFill>
+                  <a:srgbClr val="FFFFFF"/>
+                </a:solidFill>
+                <a:latin typeface="Segoe UI Semibold"/>
+              </a:defRPr>
+            </a:pPr>
+            <a:r>
+              <a:t>Q1 2023</a:t>
+            </a:r>
+          </a:p>
+        </p:txBody>
+      </p:sp>
+      <p:sp>
+        <p:nvSpPr>
+          <p:cNvPr id="14" name="Rectangle 13"/>
+          <p:cNvSpPr/>
+          <p:nvPr/>
+        </p:nvSpPr>
+        <p:spPr>
+          <a:xfrm>
+            <a:off x="8416285" y="435599"/>
+            <a:ext cx="1440" cy="6263999"/>
+          </a:xfrm>
+          <a:prstGeom prst="rect">
+            <a:avLst/>
+          </a:prstGeom>
+          <a:solidFill>
+            <a:srgbClr val="464853"/>
+          </a:solidFill>
+          <a:ln>
+            <a:solidFill>
+              <a:srgbClr val="464853"/>
+            </a:solidFill>
+          </a:ln>
+          <a:effectLst/>
+        </p:spPr>
+        <p:style>
+          <a:lnRef idx="1">
+            <a:schemeClr val="accent1"/>
+          </a:lnRef>
+          <a:fillRef idx="3">
+            <a:schemeClr val="accent1"/>
+          </a:fillRef>
+          <a:effectRef idx="2">
+            <a:schemeClr val="accent1"/>
+          </a:effectRef>
+          <a:fontRef idx="minor">
+            <a:schemeClr val="lt1"/>
+          </a:fontRef>
+        </p:style>
+        <p:txBody>
+          <a:bodyPr rtlCol="0" anchor="ctr"/>
+          <a:lstStyle/>
+          <a:p>
+            <a:pPr algn="ctr"/>
+          </a:p>
+        </p:txBody>
+      </p:sp>
+      <p:sp>
+        <p:nvSpPr>
+          <p:cNvPr id="15" name="Rounded Rectangle 14"/>
+          <p:cNvSpPr/>
+          <p:nvPr/>
+        </p:nvSpPr>
+        <p:spPr>
+          <a:xfrm>
+            <a:off x="8515542" y="183600"/>
+            <a:ext cx="936000" cy="216000"/>
+          </a:xfrm>
+          <a:prstGeom prst="roundRect">
+            <a:avLst/>
+          </a:prstGeom>
+          <a:solidFill>
+            <a:srgbClr val="464853"/>
+          </a:solidFill>
+          <a:ln w="3">
+            <a:solidFill>
+              <a:srgbClr val="464853"/>
+            </a:solidFill>
+          </a:ln>
+          <a:effectLst/>
+        </p:spPr>
+        <p:style>
+          <a:lnRef idx="1">
+            <a:schemeClr val="accent1"/>
+          </a:lnRef>
+          <a:fillRef idx="3">
+            <a:schemeClr val="accent1"/>
+          </a:fillRef>
+          <a:effectRef idx="2">
+            <a:schemeClr val="accent1"/>
+          </a:effectRef>
+          <a:fontRef idx="minor">
+            <a:schemeClr val="lt1"/>
+          </a:fontRef>
+        </p:style>
+        <p:txBody>
+          <a:bodyPr rtlCol="0" anchor="ctr"/>
+          <a:lstStyle/>
+          <a:p>
+            <a:pPr algn="ctr">
+              <a:defRPr sz="1050">
+                <a:solidFill>
+                  <a:srgbClr val="FFFFFF"/>
+                </a:solidFill>
+                <a:latin typeface="Segoe UI Semibold"/>
+              </a:defRPr>
+            </a:pPr>
+            <a:r>
+              <a:t>Q3 2022</a:t>
+            </a:r>
+          </a:p>
+        </p:txBody>
+      </p:sp>
+      <p:sp>
+        <p:nvSpPr>
+          <p:cNvPr id="16" name="Rectangle 15"/>
+          <p:cNvSpPr/>
+          <p:nvPr/>
+        </p:nvSpPr>
+        <p:spPr>
+          <a:xfrm>
+            <a:off x="9573942" y="435599"/>
+            <a:ext cx="1440" cy="6263999"/>
+          </a:xfrm>
+          <a:prstGeom prst="rect">
+            <a:avLst/>
+          </a:prstGeom>
+          <a:solidFill>
+            <a:srgbClr val="464853"/>
+          </a:solidFill>
+          <a:ln>
+            <a:solidFill>
+              <a:srgbClr val="464853"/>
+            </a:solidFill>
+          </a:ln>
+          <a:effectLst/>
+        </p:spPr>
+        <p:style>
+          <a:lnRef idx="1">
+            <a:schemeClr val="accent1"/>
+          </a:lnRef>
+          <a:fillRef idx="3">
+            <a:schemeClr val="accent1"/>
+          </a:fillRef>
+          <a:effectRef idx="2">
+            <a:schemeClr val="accent1"/>
+          </a:effectRef>
+          <a:fontRef idx="minor">
+            <a:schemeClr val="lt1"/>
+          </a:fontRef>
+        </p:style>
+        <p:txBody>
+          <a:bodyPr rtlCol="0" anchor="ctr"/>
+          <a:lstStyle/>
+          <a:p>
+            <a:pPr algn="ctr"/>
+          </a:p>
+        </p:txBody>
+      </p:sp>
+      <p:sp>
+        <p:nvSpPr>
+          <p:cNvPr id="17" name="Off-page Connector 16"/>
+          <p:cNvSpPr/>
+          <p:nvPr/>
+        </p:nvSpPr>
+        <p:spPr>
+          <a:xfrm rot="16200000">
+            <a:off x="1551599" y="1252800"/>
+            <a:ext cx="122400" cy="82800"/>
+          </a:xfrm>
+          <a:prstGeom prst="flowChartOffpageConnector">
+            <a:avLst/>
+          </a:prstGeom>
+          <a:solidFill>
+            <a:srgbClr val="FBF32A"/>
+          </a:solidFill>
+          <a:ln w="9525">
+            <a:solidFill>
+              <a:srgbClr val="FBF32A"/>
+            </a:solidFill>
+          </a:ln>
+          <a:effectLst/>
+        </p:spPr>
+        <p:style>
+          <a:lnRef idx="1">
+            <a:schemeClr val="accent1"/>
+          </a:lnRef>
+          <a:fillRef idx="3">
+            <a:schemeClr val="accent1"/>
+          </a:fillRef>
+          <a:effectRef idx="2">
+            <a:schemeClr val="accent1"/>
+          </a:effectRef>
+          <a:fontRef idx="minor">
+            <a:schemeClr val="lt1"/>
+          </a:fontRef>
+        </p:style>
+        <p:txBody>
+          <a:bodyPr rtlCol="0" anchor="ctr"/>
+          <a:lstStyle/>
+          <a:p>
+            <a:pPr algn="ctr"/>
+          </a:p>
+        </p:txBody>
+      </p:sp>
+      <p:sp>
+        <p:nvSpPr>
+          <p:cNvPr id="18" name="Off-page Connector 17"/>
+          <p:cNvSpPr/>
+          <p:nvPr/>
+        </p:nvSpPr>
+        <p:spPr>
+          <a:xfrm rot="16200000">
+            <a:off x="1551599" y="1418400"/>
+            <a:ext cx="122400" cy="82800"/>
+          </a:xfrm>
+          <a:prstGeom prst="flowChartOffpageConnector">
+            <a:avLst/>
+          </a:prstGeom>
+          <a:solidFill>
+            <a:srgbClr val="FBF32A"/>
+          </a:solidFill>
+          <a:ln w="9525">
+            <a:solidFill>
+              <a:srgbClr val="FBF32A"/>
+            </a:solidFill>
+          </a:ln>
+          <a:effectLst/>
+        </p:spPr>
+        <p:style>
+          <a:lnRef idx="1">
+            <a:schemeClr val="accent1"/>
+          </a:lnRef>
+          <a:fillRef idx="3">
+            <a:schemeClr val="accent1"/>
+          </a:fillRef>
+          <a:effectRef idx="2">
+            <a:schemeClr val="accent1"/>
+          </a:effectRef>
+          <a:fontRef idx="minor">
+            <a:schemeClr val="lt1"/>
+          </a:fontRef>
+        </p:style>
+        <p:txBody>
+          <a:bodyPr rtlCol="0" anchor="ctr"/>
+          <a:lstStyle/>
+          <a:p>
+            <a:pPr algn="ctr"/>
+          </a:p>
+        </p:txBody>
+      </p:sp>
+      <p:sp>
+        <p:nvSpPr>
+          <p:cNvPr id="19" name="Off-page Connector 18"/>
+          <p:cNvSpPr/>
+          <p:nvPr/>
+        </p:nvSpPr>
+        <p:spPr>
+          <a:xfrm rot="16200000">
+            <a:off x="1551599" y="1584000"/>
+            <a:ext cx="122400" cy="82800"/>
+          </a:xfrm>
+          <a:prstGeom prst="flowChartOffpageConnector">
+            <a:avLst/>
+          </a:prstGeom>
+          <a:solidFill>
+            <a:srgbClr val="FBF32A"/>
+          </a:solidFill>
+          <a:ln w="9525">
+            <a:solidFill>
+              <a:srgbClr val="FBF32A"/>
+            </a:solidFill>
+          </a:ln>
+          <a:effectLst/>
+        </p:spPr>
+        <p:style>
+          <a:lnRef idx="1">
+            <a:schemeClr val="accent1"/>
+          </a:lnRef>
+          <a:fillRef idx="3">
+            <a:schemeClr val="accent1"/>
+          </a:fillRef>
+          <a:effectRef idx="2">
+            <a:schemeClr val="accent1"/>
+          </a:effectRef>
+          <a:fontRef idx="minor">
+            <a:schemeClr val="lt1"/>
+          </a:fontRef>
+        </p:style>
+        <p:txBody>
+          <a:bodyPr rtlCol="0" anchor="ctr"/>
+          <a:lstStyle/>
+          <a:p>
+            <a:pPr algn="ctr"/>
+          </a:p>
+        </p:txBody>
+      </p:sp>
+      <p:sp>
+        <p:nvSpPr>
+          <p:cNvPr id="20" name="Off-page Connector 19"/>
+          <p:cNvSpPr/>
+          <p:nvPr/>
+        </p:nvSpPr>
+        <p:spPr>
+          <a:xfrm rot="16200000">
+            <a:off x="1551599" y="1749600"/>
+            <a:ext cx="122400" cy="82800"/>
+          </a:xfrm>
+          <a:prstGeom prst="flowChartOffpageConnector">
+            <a:avLst/>
+          </a:prstGeom>
+          <a:solidFill>
+            <a:srgbClr val="FBF32A"/>
+          </a:solidFill>
+          <a:ln w="9525">
+            <a:solidFill>
+              <a:srgbClr val="FBF32A"/>
+            </a:solidFill>
+          </a:ln>
+          <a:effectLst/>
+        </p:spPr>
+        <p:style>
+          <a:lnRef idx="1">
+            <a:schemeClr val="accent1"/>
+          </a:lnRef>
+          <a:fillRef idx="3">
+            <a:schemeClr val="accent1"/>
+          </a:fillRef>
+          <a:effectRef idx="2">
+            <a:schemeClr val="accent1"/>
+          </a:effectRef>
+          <a:fontRef idx="minor">
+            <a:schemeClr val="lt1"/>
+          </a:fontRef>
+        </p:style>
+        <p:txBody>
+          <a:bodyPr rtlCol="0" anchor="ctr"/>
+          <a:lstStyle/>
+          <a:p>
+            <a:pPr algn="ctr"/>
+          </a:p>
+        </p:txBody>
+      </p:sp>
+      <p:sp>
+        <p:nvSpPr>
+          <p:cNvPr id="21" name="Off-page Connector 20"/>
+          <p:cNvSpPr/>
+          <p:nvPr/>
+        </p:nvSpPr>
+        <p:spPr>
+          <a:xfrm rot="16200000">
+            <a:off x="1551599" y="2332800"/>
+            <a:ext cx="122400" cy="82800"/>
+          </a:xfrm>
+          <a:prstGeom prst="flowChartOffpageConnector">
+            <a:avLst/>
+          </a:prstGeom>
+          <a:solidFill>
+            <a:srgbClr val="FBF32A"/>
+          </a:solidFill>
+          <a:ln w="9525">
+            <a:solidFill>
+              <a:srgbClr val="FBF32A"/>
+            </a:solidFill>
+          </a:ln>
+          <a:effectLst/>
+        </p:spPr>
+        <p:style>
+          <a:lnRef idx="1">
+            <a:schemeClr val="accent1"/>
+          </a:lnRef>
+          <a:fillRef idx="3">
+            <a:schemeClr val="accent1"/>
+          </a:fillRef>
+          <a:effectRef idx="2">
+            <a:schemeClr val="accent1"/>
+          </a:effectRef>
+          <a:fontRef idx="minor">
+            <a:schemeClr val="lt1"/>
+          </a:fontRef>
+        </p:style>
+        <p:txBody>
+          <a:bodyPr rtlCol="0" anchor="ctr"/>
+          <a:lstStyle/>
+          <a:p>
+            <a:pPr algn="ctr"/>
+          </a:p>
+        </p:txBody>
+      </p:sp>
+      <p:sp>
+        <p:nvSpPr>
+          <p:cNvPr id="22" name="Off-page Connector 21"/>
+          <p:cNvSpPr/>
+          <p:nvPr/>
+        </p:nvSpPr>
+        <p:spPr>
+          <a:xfrm rot="16200000">
+            <a:off x="1551599" y="2498400"/>
+            <a:ext cx="122400" cy="82800"/>
+          </a:xfrm>
+          <a:prstGeom prst="flowChartOffpageConnector">
+            <a:avLst/>
+          </a:prstGeom>
+          <a:solidFill>
+            <a:srgbClr val="FBF32A"/>
+          </a:solidFill>
+          <a:ln w="9525">
+            <a:solidFill>
+              <a:srgbClr val="FBF32A"/>
+            </a:solidFill>
+          </a:ln>
+          <a:effectLst/>
+        </p:spPr>
+        <p:style>
+          <a:lnRef idx="1">
+            <a:schemeClr val="accent1"/>
+          </a:lnRef>
+          <a:fillRef idx="3">
+            <a:schemeClr val="accent1"/>
+          </a:fillRef>
+          <a:effectRef idx="2">
+            <a:schemeClr val="accent1"/>
+          </a:effectRef>
+          <a:fontRef idx="minor">
+            <a:schemeClr val="lt1"/>
+          </a:fontRef>
+        </p:style>
+        <p:txBody>
+          <a:bodyPr rtlCol="0" anchor="ctr"/>
+          <a:lstStyle/>
+          <a:p>
+            <a:pPr algn="ctr"/>
+          </a:p>
+        </p:txBody>
+      </p:sp>
+      <p:sp>
+        <p:nvSpPr>
+          <p:cNvPr id="23" name="Off-page Connector 22"/>
+          <p:cNvSpPr/>
+          <p:nvPr/>
+        </p:nvSpPr>
+        <p:spPr>
+          <a:xfrm rot="16200000">
+            <a:off x="1551599" y="2664000"/>
+            <a:ext cx="122400" cy="82800"/>
+          </a:xfrm>
+          <a:prstGeom prst="flowChartOffpageConnector">
+            <a:avLst/>
+          </a:prstGeom>
+          <a:solidFill>
+            <a:srgbClr val="FBF32A"/>
+          </a:solidFill>
+          <a:ln w="9525">
+            <a:solidFill>
+              <a:srgbClr val="FBF32A"/>
+            </a:solidFill>
+          </a:ln>
+          <a:effectLst/>
+        </p:spPr>
+        <p:style>
+          <a:lnRef idx="1">
+            <a:schemeClr val="accent1"/>
+          </a:lnRef>
+          <a:fillRef idx="3">
+            <a:schemeClr val="accent1"/>
+          </a:fillRef>
+          <a:effectRef idx="2">
+            <a:schemeClr val="accent1"/>
+          </a:effectRef>
+          <a:fontRef idx="minor">
+            <a:schemeClr val="lt1"/>
+          </a:fontRef>
+        </p:style>
+        <p:txBody>
+          <a:bodyPr rtlCol="0" anchor="ctr"/>
+          <a:lstStyle/>
+          <a:p>
+            <a:pPr algn="ctr"/>
+          </a:p>
+        </p:txBody>
+      </p:sp>
+      <p:sp>
+        <p:nvSpPr>
+          <p:cNvPr id="24" name="Off-page Connector 23"/>
+          <p:cNvSpPr/>
+          <p:nvPr/>
+        </p:nvSpPr>
+        <p:spPr>
+          <a:xfrm rot="16200000">
+            <a:off x="1551599" y="2829600"/>
+            <a:ext cx="122400" cy="82800"/>
+          </a:xfrm>
+          <a:prstGeom prst="flowChartOffpageConnector">
+            <a:avLst/>
+          </a:prstGeom>
+          <a:solidFill>
+            <a:srgbClr val="FBF32A"/>
+          </a:solidFill>
+          <a:ln w="9525">
+            <a:solidFill>
+              <a:srgbClr val="FBF32A"/>
+            </a:solidFill>
+          </a:ln>
+          <a:effectLst/>
+        </p:spPr>
+        <p:style>
+          <a:lnRef idx="1">
+            <a:schemeClr val="accent1"/>
+          </a:lnRef>
+          <a:fillRef idx="3">
+            <a:schemeClr val="accent1"/>
+          </a:fillRef>
+          <a:effectRef idx="2">
+            <a:schemeClr val="accent1"/>
+          </a:effectRef>
+          <a:fontRef idx="minor">
+            <a:schemeClr val="lt1"/>
+          </a:fontRef>
+        </p:style>
+        <p:txBody>
+          <a:bodyPr rtlCol="0" anchor="ctr"/>
+          <a:lstStyle/>
+          <a:p>
+            <a:pPr algn="ctr"/>
+          </a:p>
+        </p:txBody>
+      </p:sp>
+      <p:sp>
+        <p:nvSpPr>
+          <p:cNvPr id="25" name="Off-page Connector 24"/>
+          <p:cNvSpPr/>
+          <p:nvPr/>
+        </p:nvSpPr>
+        <p:spPr>
+          <a:xfrm rot="16200000">
+            <a:off x="1551599" y="3412800"/>
+            <a:ext cx="122400" cy="82800"/>
+          </a:xfrm>
+          <a:prstGeom prst="flowChartOffpageConnector">
+            <a:avLst/>
+          </a:prstGeom>
+          <a:solidFill>
+            <a:srgbClr val="FBF32A"/>
+          </a:solidFill>
+          <a:ln w="9525">
+            <a:solidFill>
+              <a:srgbClr val="FBF32A"/>
+            </a:solidFill>
+          </a:ln>
+          <a:effectLst/>
+        </p:spPr>
+        <p:style>
+          <a:lnRef idx="1">
+            <a:schemeClr val="accent1"/>
+          </a:lnRef>
+          <a:fillRef idx="3">
+            <a:schemeClr val="accent1"/>
+          </a:fillRef>
+          <a:effectRef idx="2">
+            <a:schemeClr val="accent1"/>
+          </a:effectRef>
+          <a:fontRef idx="minor">
+            <a:schemeClr val="lt1"/>
+          </a:fontRef>
+        </p:style>
+        <p:txBody>
+          <a:bodyPr rtlCol="0" anchor="ctr"/>
+          <a:lstStyle/>
+          <a:p>
+            <a:pPr algn="ctr"/>
+          </a:p>
+        </p:txBody>
+      </p:sp>
+      <p:sp>
+        <p:nvSpPr>
+          <p:cNvPr id="26" name="Off-page Connector 25"/>
+          <p:cNvSpPr/>
+          <p:nvPr/>
+        </p:nvSpPr>
+        <p:spPr>
+          <a:xfrm rot="16200000">
+            <a:off x="1551599" y="3578400"/>
+            <a:ext cx="122400" cy="82800"/>
+          </a:xfrm>
+          <a:prstGeom prst="flowChartOffpageConnector">
+            <a:avLst/>
+          </a:prstGeom>
+          <a:solidFill>
+            <a:srgbClr val="FBF32A"/>
+          </a:solidFill>
+          <a:ln w="9525">
+            <a:solidFill>
+              <a:srgbClr val="FBF32A"/>
+            </a:solidFill>
+          </a:ln>
+          <a:effectLst/>
+        </p:spPr>
+        <p:style>
+          <a:lnRef idx="1">
+            <a:schemeClr val="accent1"/>
+          </a:lnRef>
+          <a:fillRef idx="3">
+            <a:schemeClr val="accent1"/>
+          </a:fillRef>
+          <a:effectRef idx="2">
+            <a:schemeClr val="accent1"/>
+          </a:effectRef>
+          <a:fontRef idx="minor">
+            <a:schemeClr val="lt1"/>
+          </a:fontRef>
+        </p:style>
+        <p:txBody>
+          <a:bodyPr rtlCol="0" anchor="ctr"/>
+          <a:lstStyle/>
+          <a:p>
+            <a:pPr algn="ctr"/>
+          </a:p>
+        </p:txBody>
+      </p:sp>
+      <p:sp>
+        <p:nvSpPr>
+          <p:cNvPr id="27" name="Off-page Connector 26"/>
+          <p:cNvSpPr/>
+          <p:nvPr/>
+        </p:nvSpPr>
+        <p:spPr>
+          <a:xfrm rot="16200000">
+            <a:off x="1551599" y="3744000"/>
+            <a:ext cx="122400" cy="82800"/>
+          </a:xfrm>
+          <a:prstGeom prst="flowChartOffpageConnector">
+            <a:avLst/>
+          </a:prstGeom>
+          <a:solidFill>
+            <a:srgbClr val="FBF32A"/>
+          </a:solidFill>
+          <a:ln w="9525">
+            <a:solidFill>
+              <a:srgbClr val="FBF32A"/>
+            </a:solidFill>
+          </a:ln>
+          <a:effectLst/>
+        </p:spPr>
+        <p:style>
+          <a:lnRef idx="1">
+            <a:schemeClr val="accent1"/>
+          </a:lnRef>
+          <a:fillRef idx="3">
+            <a:schemeClr val="accent1"/>
+          </a:fillRef>
+          <a:effectRef idx="2">
+            <a:schemeClr val="accent1"/>
+          </a:effectRef>
+          <a:fontRef idx="minor">
+            <a:schemeClr val="lt1"/>
+          </a:fontRef>
+        </p:style>
+        <p:txBody>
+          <a:bodyPr rtlCol="0" anchor="ctr"/>
+          <a:lstStyle/>
+          <a:p>
+            <a:pPr algn="ctr"/>
+          </a:p>
+        </p:txBody>
+      </p:sp>
+      <p:sp>
+        <p:nvSpPr>
+          <p:cNvPr id="28" name="Off-page Connector 27"/>
+          <p:cNvSpPr/>
+          <p:nvPr/>
+        </p:nvSpPr>
+        <p:spPr>
+          <a:xfrm rot="16200000">
+            <a:off x="1551599" y="3909600"/>
+            <a:ext cx="122400" cy="82800"/>
+          </a:xfrm>
+          <a:prstGeom prst="flowChartOffpageConnector">
+            <a:avLst/>
+          </a:prstGeom>
+          <a:solidFill>
+            <a:srgbClr val="FBF32A"/>
+          </a:solidFill>
+          <a:ln w="9525">
+            <a:solidFill>
+              <a:srgbClr val="FBF32A"/>
+            </a:solidFill>
+          </a:ln>
+          <a:effectLst/>
+        </p:spPr>
+        <p:style>
+          <a:lnRef idx="1">
+            <a:schemeClr val="accent1"/>
+          </a:lnRef>
+          <a:fillRef idx="3">
+            <a:schemeClr val="accent1"/>
+          </a:fillRef>
+          <a:effectRef idx="2">
+            <a:schemeClr val="accent1"/>
+          </a:effectRef>
+          <a:fontRef idx="minor">
+            <a:schemeClr val="lt1"/>
+          </a:fontRef>
+        </p:style>
+        <p:txBody>
+          <a:bodyPr rtlCol="0" anchor="ctr"/>
+          <a:lstStyle/>
+          <a:p>
+            <a:pPr algn="ctr"/>
+          </a:p>
+        </p:txBody>
+      </p:sp>
+      <p:sp>
+        <p:nvSpPr>
+          <p:cNvPr id="29" name="Off-page Connector 28"/>
+          <p:cNvSpPr/>
+          <p:nvPr/>
+        </p:nvSpPr>
+        <p:spPr>
+          <a:xfrm rot="16200000">
+            <a:off x="1551599" y="4492800"/>
+            <a:ext cx="122400" cy="82800"/>
+          </a:xfrm>
+          <a:prstGeom prst="flowChartOffpageConnector">
+            <a:avLst/>
+          </a:prstGeom>
+          <a:solidFill>
+            <a:srgbClr val="FBF32A"/>
+          </a:solidFill>
+          <a:ln w="9525">
+            <a:solidFill>
+              <a:srgbClr val="FBF32A"/>
+            </a:solidFill>
+          </a:ln>
+          <a:effectLst/>
+        </p:spPr>
+        <p:style>
+          <a:lnRef idx="1">
+            <a:schemeClr val="accent1"/>
+          </a:lnRef>
+          <a:fillRef idx="3">
+            <a:schemeClr val="accent1"/>
+          </a:fillRef>
+          <a:effectRef idx="2">
+            <a:schemeClr val="accent1"/>
+          </a:effectRef>
+          <a:fontRef idx="minor">
+            <a:schemeClr val="lt1"/>
+          </a:fontRef>
+        </p:style>
+        <p:txBody>
+          <a:bodyPr rtlCol="0" anchor="ctr"/>
+          <a:lstStyle/>
+          <a:p>
+            <a:pPr algn="ctr"/>
+          </a:p>
+        </p:txBody>
+      </p:sp>
+      <p:sp>
+        <p:nvSpPr>
+          <p:cNvPr id="30" name="Off-page Connector 29"/>
+          <p:cNvSpPr/>
+          <p:nvPr/>
+        </p:nvSpPr>
+        <p:spPr>
+          <a:xfrm rot="16200000">
+            <a:off x="1551599" y="4658400"/>
+            <a:ext cx="122400" cy="82800"/>
+          </a:xfrm>
+          <a:prstGeom prst="flowChartOffpageConnector">
+            <a:avLst/>
+          </a:prstGeom>
+          <a:solidFill>
+            <a:srgbClr val="FBF32A"/>
+          </a:solidFill>
+          <a:ln w="9525">
+            <a:solidFill>
+              <a:srgbClr val="FBF32A"/>
+            </a:solidFill>
+          </a:ln>
+          <a:effectLst/>
+        </p:spPr>
+        <p:style>
+          <a:lnRef idx="1">
+            <a:schemeClr val="accent1"/>
+          </a:lnRef>
+          <a:fillRef idx="3">
+            <a:schemeClr val="accent1"/>
+          </a:fillRef>
+          <a:effectRef idx="2">
+            <a:schemeClr val="accent1"/>
+          </a:effectRef>
+          <a:fontRef idx="minor">
+            <a:schemeClr val="lt1"/>
+          </a:fontRef>
+        </p:style>
+        <p:txBody>
+          <a:bodyPr rtlCol="0" anchor="ctr"/>
+          <a:lstStyle/>
+          <a:p>
+            <a:pPr algn="ctr"/>
+          </a:p>
+        </p:txBody>
+      </p:sp>
+      <p:sp>
+        <p:nvSpPr>
+          <p:cNvPr id="31" name="Off-page Connector 30"/>
+          <p:cNvSpPr/>
+          <p:nvPr/>
+        </p:nvSpPr>
+        <p:spPr>
+          <a:xfrm rot="16200000">
+            <a:off x="1551599" y="4824000"/>
+            <a:ext cx="122400" cy="82800"/>
+          </a:xfrm>
+          <a:prstGeom prst="flowChartOffpageConnector">
+            <a:avLst/>
+          </a:prstGeom>
+          <a:solidFill>
+            <a:srgbClr val="FBF32A"/>
+          </a:solidFill>
+          <a:ln w="9525">
+            <a:solidFill>
+              <a:srgbClr val="FBF32A"/>
+            </a:solidFill>
+          </a:ln>
+          <a:effectLst/>
+        </p:spPr>
+        <p:style>
+          <a:lnRef idx="1">
+            <a:schemeClr val="accent1"/>
+          </a:lnRef>
+          <a:fillRef idx="3">
+            <a:schemeClr val="accent1"/>
+          </a:fillRef>
+          <a:effectRef idx="2">
+            <a:schemeClr val="accent1"/>
+          </a:effectRef>
+          <a:fontRef idx="minor">
+            <a:schemeClr val="lt1"/>
+          </a:fontRef>
+        </p:style>
+        <p:txBody>
+          <a:bodyPr rtlCol="0" anchor="ctr"/>
+          <a:lstStyle/>
+          <a:p>
+            <a:pPr algn="ctr"/>
+          </a:p>
+        </p:txBody>
+      </p:sp>
+      <p:sp>
+        <p:nvSpPr>
+          <p:cNvPr id="32" name="Off-page Connector 31"/>
+          <p:cNvSpPr/>
+          <p:nvPr/>
+        </p:nvSpPr>
+        <p:spPr>
+          <a:xfrm rot="16200000">
+            <a:off x="1551599" y="4989600"/>
+            <a:ext cx="122400" cy="82800"/>
+          </a:xfrm>
+          <a:prstGeom prst="flowChartOffpageConnector">
+            <a:avLst/>
+          </a:prstGeom>
+          <a:solidFill>
+            <a:srgbClr val="FBF32A"/>
+          </a:solidFill>
+          <a:ln w="9525">
+            <a:solidFill>
+              <a:srgbClr val="FBF32A"/>
+            </a:solidFill>
+          </a:ln>
+          <a:effectLst/>
+        </p:spPr>
+        <p:style>
+          <a:lnRef idx="1">
+            <a:schemeClr val="accent1"/>
+          </a:lnRef>
+          <a:fillRef idx="3">
+            <a:schemeClr val="accent1"/>
+          </a:fillRef>
+          <a:effectRef idx="2">
+            <a:schemeClr val="accent1"/>
+          </a:effectRef>
+          <a:fontRef idx="minor">
+            <a:schemeClr val="lt1"/>
+          </a:fontRef>
+        </p:style>
+        <p:txBody>
+          <a:bodyPr rtlCol="0" anchor="ctr"/>
+          <a:lstStyle/>
+          <a:p>
+            <a:pPr algn="ctr"/>
+          </a:p>
+        </p:txBody>
+      </p:sp>
+      <p:sp>
+        <p:nvSpPr>
+          <p:cNvPr id="33" name="Off-page Connector 32"/>
+          <p:cNvSpPr/>
+          <p:nvPr/>
+        </p:nvSpPr>
+        <p:spPr>
+          <a:xfrm rot="16200000">
+            <a:off x="1551599" y="5572800"/>
+            <a:ext cx="122400" cy="82800"/>
+          </a:xfrm>
+          <a:prstGeom prst="flowChartOffpageConnector">
+            <a:avLst/>
+          </a:prstGeom>
+          <a:solidFill>
+            <a:srgbClr val="FBF32A"/>
+          </a:solidFill>
+          <a:ln w="9525">
+            <a:solidFill>
+              <a:srgbClr val="FBF32A"/>
+            </a:solidFill>
+          </a:ln>
+          <a:effectLst/>
+        </p:spPr>
+        <p:style>
+          <a:lnRef idx="1">
+            <a:schemeClr val="accent1"/>
+          </a:lnRef>
+          <a:fillRef idx="3">
+            <a:schemeClr val="accent1"/>
+          </a:fillRef>
+          <a:effectRef idx="2">
+            <a:schemeClr val="accent1"/>
+          </a:effectRef>
+          <a:fontRef idx="minor">
+            <a:schemeClr val="lt1"/>
+          </a:fontRef>
+        </p:style>
+        <p:txBody>
+          <a:bodyPr rtlCol="0" anchor="ctr"/>
+          <a:lstStyle/>
+          <a:p>
+            <a:pPr algn="ctr"/>
+          </a:p>
+        </p:txBody>
+      </p:sp>
+      <p:sp>
+        <p:nvSpPr>
+          <p:cNvPr id="34" name="Off-page Connector 33"/>
+          <p:cNvSpPr/>
+          <p:nvPr/>
+        </p:nvSpPr>
+        <p:spPr>
+          <a:xfrm rot="16200000">
+            <a:off x="1551599" y="5738400"/>
+            <a:ext cx="122400" cy="82800"/>
+          </a:xfrm>
+          <a:prstGeom prst="flowChartOffpageConnector">
+            <a:avLst/>
+          </a:prstGeom>
+          <a:solidFill>
+            <a:srgbClr val="FBF32A"/>
+          </a:solidFill>
+          <a:ln w="9525">
+            <a:solidFill>
+              <a:srgbClr val="FBF32A"/>
+            </a:solidFill>
+          </a:ln>
+          <a:effectLst/>
+        </p:spPr>
+        <p:style>
+          <a:lnRef idx="1">
+            <a:schemeClr val="accent1"/>
+          </a:lnRef>
+          <a:fillRef idx="3">
+            <a:schemeClr val="accent1"/>
+          </a:fillRef>
+          <a:effectRef idx="2">
+            <a:schemeClr val="accent1"/>
+          </a:effectRef>
+          <a:fontRef idx="minor">
+            <a:schemeClr val="lt1"/>
+          </a:fontRef>
+        </p:style>
+        <p:txBody>
+          <a:bodyPr rtlCol="0" anchor="ctr"/>
+          <a:lstStyle/>
+          <a:p>
+            <a:pPr algn="ctr"/>
+          </a:p>
+        </p:txBody>
+      </p:sp>
+      <p:sp>
+        <p:nvSpPr>
+          <p:cNvPr id="35" name="Off-page Connector 34"/>
+          <p:cNvSpPr/>
+          <p:nvPr/>
+        </p:nvSpPr>
+        <p:spPr>
+          <a:xfrm rot="16200000">
+            <a:off x="1551599" y="5904000"/>
+            <a:ext cx="122400" cy="82800"/>
+          </a:xfrm>
+          <a:prstGeom prst="flowChartOffpageConnector">
+            <a:avLst/>
+          </a:prstGeom>
+          <a:solidFill>
+            <a:srgbClr val="FBF32A"/>
+          </a:solidFill>
+          <a:ln w="9525">
+            <a:solidFill>
+              <a:srgbClr val="FBF32A"/>
+            </a:solidFill>
+          </a:ln>
+          <a:effectLst/>
+        </p:spPr>
+        <p:style>
+          <a:lnRef idx="1">
+            <a:schemeClr val="accent1"/>
+          </a:lnRef>
+          <a:fillRef idx="3">
+            <a:schemeClr val="accent1"/>
+          </a:fillRef>
+          <a:effectRef idx="2">
+            <a:schemeClr val="accent1"/>
+          </a:effectRef>
+          <a:fontRef idx="minor">
+            <a:schemeClr val="lt1"/>
+          </a:fontRef>
+        </p:style>
+        <p:txBody>
+          <a:bodyPr rtlCol="0" anchor="ctr"/>
+          <a:lstStyle/>
+          <a:p>
+            <a:pPr algn="ctr"/>
+          </a:p>
+        </p:txBody>
+      </p:sp>
+      <p:sp>
+        <p:nvSpPr>
+          <p:cNvPr id="36" name="Off-page Connector 35"/>
+          <p:cNvSpPr/>
+          <p:nvPr/>
+        </p:nvSpPr>
+        <p:spPr>
+          <a:xfrm rot="16200000">
+            <a:off x="1551599" y="6069600"/>
+            <a:ext cx="122400" cy="82800"/>
+          </a:xfrm>
+          <a:prstGeom prst="flowChartOffpageConnector">
+            <a:avLst/>
+          </a:prstGeom>
+          <a:solidFill>
+            <a:srgbClr val="FBF32A"/>
+          </a:solidFill>
+          <a:ln w="9525">
+            <a:solidFill>
+              <a:srgbClr val="FBF32A"/>
+            </a:solidFill>
+          </a:ln>
+          <a:effectLst/>
+        </p:spPr>
+        <p:style>
+          <a:lnRef idx="1">
+            <a:schemeClr val="accent1"/>
+          </a:lnRef>
+          <a:fillRef idx="3">
+            <a:schemeClr val="accent1"/>
+          </a:fillRef>
+          <a:effectRef idx="2">
+            <a:schemeClr val="accent1"/>
+          </a:effectRef>
+          <a:fontRef idx="minor">
+            <a:schemeClr val="lt1"/>
+          </a:fontRef>
+        </p:style>
+        <p:txBody>
+          <a:bodyPr rtlCol="0" anchor="ctr"/>
+          <a:lstStyle/>
+          <a:p>
+            <a:pPr algn="ctr"/>
+          </a:p>
+        </p:txBody>
+      </p:sp>
+      <p:sp>
+        <p:nvSpPr>
+          <p:cNvPr id="37" name="Rounded Rectangle 36">
             <a:hlinkClick action="ppaction://hlinksldjump" r:id="rId2"/>
           </p:cNvPr>
           <p:cNvSpPr/>
@@ -19659,7 +21339,7 @@
       </p:sp>
       <p:sp>
         <p:nvSpPr>
-          <p:cNvPr id="3" name="Rounded Rectangle 2"/>
+          <p:cNvPr id="38" name="Rounded Rectangle 37"/>
           <p:cNvSpPr/>
           <p:nvPr/>
         </p:nvSpPr>
@@ -19704,7 +21384,7 @@
       </p:sp>
       <p:sp>
         <p:nvSpPr>
-          <p:cNvPr id="4" name="TextBox 3">
+          <p:cNvPr id="39" name="TextBox 38">
             <a:hlinkClick action="ppaction://hlinksldjump" r:id="rId2"/>
           </p:cNvPr>
           <p:cNvSpPr txBox="1"/>
@@ -19742,7 +21422,7 @@
       </p:sp>
       <p:sp>
         <p:nvSpPr>
-          <p:cNvPr id="5" name="TextBox 4">
+          <p:cNvPr id="40" name="TextBox 39">
             <a:hlinkClick action="ppaction://hlinksldjump" r:id="rId2"/>
           </p:cNvPr>
           <p:cNvSpPr txBox="1"/>
@@ -19780,7 +21460,7 @@
       </p:sp>
       <p:sp>
         <p:nvSpPr>
-          <p:cNvPr id="6" name="TextBox 5">
+          <p:cNvPr id="41" name="TextBox 40">
             <a:hlinkClick action="ppaction://hlinksldjump" r:id="rId2"/>
           </p:cNvPr>
           <p:cNvSpPr txBox="1"/>
@@ -19831,7 +21511,7 @@
       </p:sp>
       <p:sp>
         <p:nvSpPr>
-          <p:cNvPr id="7" name="Rounded Rectangle 6">
+          <p:cNvPr id="42" name="Rounded Rectangle 41">
             <a:hlinkClick action="ppaction://hlinksldjump" r:id="rId2"/>
           </p:cNvPr>
           <p:cNvSpPr/>
@@ -19878,7 +21558,7 @@
       </p:sp>
       <p:pic>
         <p:nvPicPr>
-          <p:cNvPr id="8" name="Picture 7" descr="point1.png">
+          <p:cNvPr id="43" name="Picture 42" descr="point1.png">
             <a:hlinkClick action="ppaction://hlinksldjump" r:id="rId2"/>
           </p:cNvPr>
           <p:cNvPicPr>
@@ -19904,7 +21584,7 @@
       </p:pic>
       <p:sp>
         <p:nvSpPr>
-          <p:cNvPr id="9" name="Oval 8"/>
+          <p:cNvPr id="44" name="Oval 43"/>
           <p:cNvSpPr/>
           <p:nvPr/>
         </p:nvSpPr>
@@ -19950,7 +21630,53 @@
       </p:sp>
       <p:sp>
         <p:nvSpPr>
-          <p:cNvPr id="10" name="TextBox 9"/>
+          <p:cNvPr id="45" name="Off-page Connector 44"/>
+          <p:cNvSpPr/>
+          <p:nvPr/>
+        </p:nvSpPr>
+        <p:spPr>
+          <a:xfrm rot="16200000">
+            <a:off x="1551599" y="1252800"/>
+            <a:ext cx="122400" cy="82800"/>
+          </a:xfrm>
+          <a:prstGeom prst="flowChartOffpageConnector">
+            <a:avLst/>
+          </a:prstGeom>
+          <a:solidFill>
+            <a:srgbClr val="FBF32A"/>
+          </a:solidFill>
+          <a:ln w="9525">
+            <a:solidFill>
+              <a:srgbClr val="FBF32A"/>
+            </a:solidFill>
+          </a:ln>
+          <a:effectLst/>
+        </p:spPr>
+        <p:style>
+          <a:lnRef idx="1">
+            <a:schemeClr val="accent1"/>
+          </a:lnRef>
+          <a:fillRef idx="3">
+            <a:schemeClr val="accent1"/>
+          </a:fillRef>
+          <a:effectRef idx="2">
+            <a:schemeClr val="accent1"/>
+          </a:effectRef>
+          <a:fontRef idx="minor">
+            <a:schemeClr val="lt1"/>
+          </a:fontRef>
+        </p:style>
+        <p:txBody>
+          <a:bodyPr rtlCol="0" anchor="ctr"/>
+          <a:lstStyle/>
+          <a:p>
+            <a:pPr algn="ctr"/>
+          </a:p>
+        </p:txBody>
+      </p:sp>
+      <p:sp>
+        <p:nvSpPr>
+          <p:cNvPr id="46" name="TextBox 45"/>
           <p:cNvSpPr txBox="1"/>
           <p:nvPr/>
         </p:nvSpPr>
@@ -19986,7 +21712,7 @@
       </p:sp>
       <p:sp>
         <p:nvSpPr>
-          <p:cNvPr id="11" name="Oval 10"/>
+          <p:cNvPr id="47" name="Oval 46"/>
           <p:cNvSpPr/>
           <p:nvPr/>
         </p:nvSpPr>
@@ -20032,7 +21758,53 @@
       </p:sp>
       <p:sp>
         <p:nvSpPr>
-          <p:cNvPr id="12" name="TextBox 11"/>
+          <p:cNvPr id="48" name="Off-page Connector 47"/>
+          <p:cNvSpPr/>
+          <p:nvPr/>
+        </p:nvSpPr>
+        <p:spPr>
+          <a:xfrm rot="16200000">
+            <a:off x="1551599" y="1418400"/>
+            <a:ext cx="122400" cy="82800"/>
+          </a:xfrm>
+          <a:prstGeom prst="flowChartOffpageConnector">
+            <a:avLst/>
+          </a:prstGeom>
+          <a:solidFill>
+            <a:srgbClr val="FBF32A"/>
+          </a:solidFill>
+          <a:ln w="9525">
+            <a:solidFill>
+              <a:srgbClr val="FBF32A"/>
+            </a:solidFill>
+          </a:ln>
+          <a:effectLst/>
+        </p:spPr>
+        <p:style>
+          <a:lnRef idx="1">
+            <a:schemeClr val="accent1"/>
+          </a:lnRef>
+          <a:fillRef idx="3">
+            <a:schemeClr val="accent1"/>
+          </a:fillRef>
+          <a:effectRef idx="2">
+            <a:schemeClr val="accent1"/>
+          </a:effectRef>
+          <a:fontRef idx="minor">
+            <a:schemeClr val="lt1"/>
+          </a:fontRef>
+        </p:style>
+        <p:txBody>
+          <a:bodyPr rtlCol="0" anchor="ctr"/>
+          <a:lstStyle/>
+          <a:p>
+            <a:pPr algn="ctr"/>
+          </a:p>
+        </p:txBody>
+      </p:sp>
+      <p:sp>
+        <p:nvSpPr>
+          <p:cNvPr id="49" name="TextBox 48"/>
           <p:cNvSpPr txBox="1"/>
           <p:nvPr/>
         </p:nvSpPr>
@@ -20068,7 +21840,7 @@
       </p:sp>
       <p:sp>
         <p:nvSpPr>
-          <p:cNvPr id="13" name="Oval 12"/>
+          <p:cNvPr id="50" name="Oval 49"/>
           <p:cNvSpPr/>
           <p:nvPr/>
         </p:nvSpPr>
@@ -20114,7 +21886,53 @@
       </p:sp>
       <p:sp>
         <p:nvSpPr>
-          <p:cNvPr id="14" name="TextBox 13"/>
+          <p:cNvPr id="51" name="Off-page Connector 50"/>
+          <p:cNvSpPr/>
+          <p:nvPr/>
+        </p:nvSpPr>
+        <p:spPr>
+          <a:xfrm rot="16200000">
+            <a:off x="1551599" y="1584000"/>
+            <a:ext cx="122400" cy="82800"/>
+          </a:xfrm>
+          <a:prstGeom prst="flowChartOffpageConnector">
+            <a:avLst/>
+          </a:prstGeom>
+          <a:solidFill>
+            <a:srgbClr val="FBF32A"/>
+          </a:solidFill>
+          <a:ln w="9525">
+            <a:solidFill>
+              <a:srgbClr val="FBF32A"/>
+            </a:solidFill>
+          </a:ln>
+          <a:effectLst/>
+        </p:spPr>
+        <p:style>
+          <a:lnRef idx="1">
+            <a:schemeClr val="accent1"/>
+          </a:lnRef>
+          <a:fillRef idx="3">
+            <a:schemeClr val="accent1"/>
+          </a:fillRef>
+          <a:effectRef idx="2">
+            <a:schemeClr val="accent1"/>
+          </a:effectRef>
+          <a:fontRef idx="minor">
+            <a:schemeClr val="lt1"/>
+          </a:fontRef>
+        </p:style>
+        <p:txBody>
+          <a:bodyPr rtlCol="0" anchor="ctr"/>
+          <a:lstStyle/>
+          <a:p>
+            <a:pPr algn="ctr"/>
+          </a:p>
+        </p:txBody>
+      </p:sp>
+      <p:sp>
+        <p:nvSpPr>
+          <p:cNvPr id="52" name="TextBox 51"/>
           <p:cNvSpPr txBox="1"/>
           <p:nvPr/>
         </p:nvSpPr>
@@ -20150,7 +21968,7 @@
       </p:sp>
       <p:sp>
         <p:nvSpPr>
-          <p:cNvPr id="15" name="Oval 14"/>
+          <p:cNvPr id="53" name="Oval 52"/>
           <p:cNvSpPr/>
           <p:nvPr/>
         </p:nvSpPr>
@@ -20196,7 +22014,53 @@
       </p:sp>
       <p:sp>
         <p:nvSpPr>
-          <p:cNvPr id="16" name="TextBox 15"/>
+          <p:cNvPr id="54" name="Off-page Connector 53"/>
+          <p:cNvSpPr/>
+          <p:nvPr/>
+        </p:nvSpPr>
+        <p:spPr>
+          <a:xfrm rot="16200000">
+            <a:off x="1551599" y="1749600"/>
+            <a:ext cx="122400" cy="82800"/>
+          </a:xfrm>
+          <a:prstGeom prst="flowChartOffpageConnector">
+            <a:avLst/>
+          </a:prstGeom>
+          <a:solidFill>
+            <a:srgbClr val="FBF32A"/>
+          </a:solidFill>
+          <a:ln w="9525">
+            <a:solidFill>
+              <a:srgbClr val="FBF32A"/>
+            </a:solidFill>
+          </a:ln>
+          <a:effectLst/>
+        </p:spPr>
+        <p:style>
+          <a:lnRef idx="1">
+            <a:schemeClr val="accent1"/>
+          </a:lnRef>
+          <a:fillRef idx="3">
+            <a:schemeClr val="accent1"/>
+          </a:fillRef>
+          <a:effectRef idx="2">
+            <a:schemeClr val="accent1"/>
+          </a:effectRef>
+          <a:fontRef idx="minor">
+            <a:schemeClr val="lt1"/>
+          </a:fontRef>
+        </p:style>
+        <p:txBody>
+          <a:bodyPr rtlCol="0" anchor="ctr"/>
+          <a:lstStyle/>
+          <a:p>
+            <a:pPr algn="ctr"/>
+          </a:p>
+        </p:txBody>
+      </p:sp>
+      <p:sp>
+        <p:nvSpPr>
+          <p:cNvPr id="55" name="TextBox 54"/>
           <p:cNvSpPr txBox="1"/>
           <p:nvPr/>
         </p:nvSpPr>
@@ -20233,7 +22097,7 @@
       </p:sp>
       <p:sp>
         <p:nvSpPr>
-          <p:cNvPr id="17" name="Rounded Rectangle 16">
+          <p:cNvPr id="56" name="Rounded Rectangle 55">
             <a:hlinkClick action="ppaction://hlinksldjump" r:id="rId4"/>
           </p:cNvPr>
           <p:cNvSpPr/>
@@ -20291,7 +22155,7 @@
       </p:sp>
       <p:sp>
         <p:nvSpPr>
-          <p:cNvPr id="18" name="Rounded Rectangle 17"/>
+          <p:cNvPr id="57" name="Rounded Rectangle 56"/>
           <p:cNvSpPr/>
           <p:nvPr/>
         </p:nvSpPr>
@@ -20336,7 +22200,7 @@
       </p:sp>
       <p:sp>
         <p:nvSpPr>
-          <p:cNvPr id="19" name="TextBox 18">
+          <p:cNvPr id="58" name="TextBox 57">
             <a:hlinkClick action="ppaction://hlinksldjump" r:id="rId4"/>
           </p:cNvPr>
           <p:cNvSpPr txBox="1"/>
@@ -20374,7 +22238,7 @@
       </p:sp>
       <p:sp>
         <p:nvSpPr>
-          <p:cNvPr id="20" name="TextBox 19">
+          <p:cNvPr id="59" name="TextBox 58">
             <a:hlinkClick action="ppaction://hlinksldjump" r:id="rId4"/>
           </p:cNvPr>
           <p:cNvSpPr txBox="1"/>
@@ -20412,7 +22276,7 @@
       </p:sp>
       <p:sp>
         <p:nvSpPr>
-          <p:cNvPr id="21" name="TextBox 20">
+          <p:cNvPr id="60" name="TextBox 59">
             <a:hlinkClick action="ppaction://hlinksldjump" r:id="rId4"/>
           </p:cNvPr>
           <p:cNvSpPr txBox="1"/>
@@ -20463,7 +22327,7 @@
       </p:sp>
       <p:sp>
         <p:nvSpPr>
-          <p:cNvPr id="22" name="Rounded Rectangle 21">
+          <p:cNvPr id="61" name="Rounded Rectangle 60">
             <a:hlinkClick action="ppaction://hlinksldjump" r:id="rId4"/>
           </p:cNvPr>
           <p:cNvSpPr/>
@@ -20510,7 +22374,7 @@
       </p:sp>
       <p:pic>
         <p:nvPicPr>
-          <p:cNvPr id="23" name="Picture 22" descr="point1.png">
+          <p:cNvPr id="62" name="Picture 61" descr="point1.png">
             <a:hlinkClick action="ppaction://hlinksldjump" r:id="rId4"/>
           </p:cNvPr>
           <p:cNvPicPr>
@@ -20536,7 +22400,7 @@
       </p:pic>
       <p:sp>
         <p:nvSpPr>
-          <p:cNvPr id="24" name="Oval 23"/>
+          <p:cNvPr id="63" name="Oval 62"/>
           <p:cNvSpPr/>
           <p:nvPr/>
         </p:nvSpPr>
@@ -20582,7 +22446,53 @@
       </p:sp>
       <p:sp>
         <p:nvSpPr>
-          <p:cNvPr id="25" name="TextBox 24"/>
+          <p:cNvPr id="64" name="Off-page Connector 63"/>
+          <p:cNvSpPr/>
+          <p:nvPr/>
+        </p:nvSpPr>
+        <p:spPr>
+          <a:xfrm rot="16200000">
+            <a:off x="1551599" y="2332800"/>
+            <a:ext cx="122400" cy="82800"/>
+          </a:xfrm>
+          <a:prstGeom prst="flowChartOffpageConnector">
+            <a:avLst/>
+          </a:prstGeom>
+          <a:solidFill>
+            <a:srgbClr val="FBF32A"/>
+          </a:solidFill>
+          <a:ln w="9525">
+            <a:solidFill>
+              <a:srgbClr val="FBF32A"/>
+            </a:solidFill>
+          </a:ln>
+          <a:effectLst/>
+        </p:spPr>
+        <p:style>
+          <a:lnRef idx="1">
+            <a:schemeClr val="accent1"/>
+          </a:lnRef>
+          <a:fillRef idx="3">
+            <a:schemeClr val="accent1"/>
+          </a:fillRef>
+          <a:effectRef idx="2">
+            <a:schemeClr val="accent1"/>
+          </a:effectRef>
+          <a:fontRef idx="minor">
+            <a:schemeClr val="lt1"/>
+          </a:fontRef>
+        </p:style>
+        <p:txBody>
+          <a:bodyPr rtlCol="0" anchor="ctr"/>
+          <a:lstStyle/>
+          <a:p>
+            <a:pPr algn="ctr"/>
+          </a:p>
+        </p:txBody>
+      </p:sp>
+      <p:sp>
+        <p:nvSpPr>
+          <p:cNvPr id="65" name="TextBox 64"/>
           <p:cNvSpPr txBox="1"/>
           <p:nvPr/>
         </p:nvSpPr>
@@ -20618,7 +22528,7 @@
       </p:sp>
       <p:sp>
         <p:nvSpPr>
-          <p:cNvPr id="26" name="Oval 25"/>
+          <p:cNvPr id="66" name="Oval 65"/>
           <p:cNvSpPr/>
           <p:nvPr/>
         </p:nvSpPr>
@@ -20664,7 +22574,53 @@
       </p:sp>
       <p:sp>
         <p:nvSpPr>
-          <p:cNvPr id="27" name="TextBox 26"/>
+          <p:cNvPr id="67" name="Off-page Connector 66"/>
+          <p:cNvSpPr/>
+          <p:nvPr/>
+        </p:nvSpPr>
+        <p:spPr>
+          <a:xfrm rot="16200000">
+            <a:off x="1551599" y="2498400"/>
+            <a:ext cx="122400" cy="82800"/>
+          </a:xfrm>
+          <a:prstGeom prst="flowChartOffpageConnector">
+            <a:avLst/>
+          </a:prstGeom>
+          <a:solidFill>
+            <a:srgbClr val="FBF32A"/>
+          </a:solidFill>
+          <a:ln w="9525">
+            <a:solidFill>
+              <a:srgbClr val="FBF32A"/>
+            </a:solidFill>
+          </a:ln>
+          <a:effectLst/>
+        </p:spPr>
+        <p:style>
+          <a:lnRef idx="1">
+            <a:schemeClr val="accent1"/>
+          </a:lnRef>
+          <a:fillRef idx="3">
+            <a:schemeClr val="accent1"/>
+          </a:fillRef>
+          <a:effectRef idx="2">
+            <a:schemeClr val="accent1"/>
+          </a:effectRef>
+          <a:fontRef idx="minor">
+            <a:schemeClr val="lt1"/>
+          </a:fontRef>
+        </p:style>
+        <p:txBody>
+          <a:bodyPr rtlCol="0" anchor="ctr"/>
+          <a:lstStyle/>
+          <a:p>
+            <a:pPr algn="ctr"/>
+          </a:p>
+        </p:txBody>
+      </p:sp>
+      <p:sp>
+        <p:nvSpPr>
+          <p:cNvPr id="68" name="TextBox 67"/>
           <p:cNvSpPr txBox="1"/>
           <p:nvPr/>
         </p:nvSpPr>
@@ -20700,7 +22656,7 @@
       </p:sp>
       <p:sp>
         <p:nvSpPr>
-          <p:cNvPr id="28" name="Oval 27"/>
+          <p:cNvPr id="69" name="Oval 68"/>
           <p:cNvSpPr/>
           <p:nvPr/>
         </p:nvSpPr>
@@ -20746,7 +22702,53 @@
       </p:sp>
       <p:sp>
         <p:nvSpPr>
-          <p:cNvPr id="29" name="TextBox 28"/>
+          <p:cNvPr id="70" name="Off-page Connector 69"/>
+          <p:cNvSpPr/>
+          <p:nvPr/>
+        </p:nvSpPr>
+        <p:spPr>
+          <a:xfrm rot="16200000">
+            <a:off x="1551599" y="2664000"/>
+            <a:ext cx="122400" cy="82800"/>
+          </a:xfrm>
+          <a:prstGeom prst="flowChartOffpageConnector">
+            <a:avLst/>
+          </a:prstGeom>
+          <a:solidFill>
+            <a:srgbClr val="FBF32A"/>
+          </a:solidFill>
+          <a:ln w="9525">
+            <a:solidFill>
+              <a:srgbClr val="FBF32A"/>
+            </a:solidFill>
+          </a:ln>
+          <a:effectLst/>
+        </p:spPr>
+        <p:style>
+          <a:lnRef idx="1">
+            <a:schemeClr val="accent1"/>
+          </a:lnRef>
+          <a:fillRef idx="3">
+            <a:schemeClr val="accent1"/>
+          </a:fillRef>
+          <a:effectRef idx="2">
+            <a:schemeClr val="accent1"/>
+          </a:effectRef>
+          <a:fontRef idx="minor">
+            <a:schemeClr val="lt1"/>
+          </a:fontRef>
+        </p:style>
+        <p:txBody>
+          <a:bodyPr rtlCol="0" anchor="ctr"/>
+          <a:lstStyle/>
+          <a:p>
+            <a:pPr algn="ctr"/>
+          </a:p>
+        </p:txBody>
+      </p:sp>
+      <p:sp>
+        <p:nvSpPr>
+          <p:cNvPr id="71" name="TextBox 70"/>
           <p:cNvSpPr txBox="1"/>
           <p:nvPr/>
         </p:nvSpPr>
@@ -20782,7 +22784,7 @@
       </p:sp>
       <p:sp>
         <p:nvSpPr>
-          <p:cNvPr id="30" name="Oval 29"/>
+          <p:cNvPr id="72" name="Oval 71"/>
           <p:cNvSpPr/>
           <p:nvPr/>
         </p:nvSpPr>
@@ -20828,7 +22830,53 @@
       </p:sp>
       <p:sp>
         <p:nvSpPr>
-          <p:cNvPr id="31" name="TextBox 30"/>
+          <p:cNvPr id="73" name="Off-page Connector 72"/>
+          <p:cNvSpPr/>
+          <p:nvPr/>
+        </p:nvSpPr>
+        <p:spPr>
+          <a:xfrm rot="16200000">
+            <a:off x="1551599" y="2829600"/>
+            <a:ext cx="122400" cy="82800"/>
+          </a:xfrm>
+          <a:prstGeom prst="flowChartOffpageConnector">
+            <a:avLst/>
+          </a:prstGeom>
+          <a:solidFill>
+            <a:srgbClr val="FBF32A"/>
+          </a:solidFill>
+          <a:ln w="9525">
+            <a:solidFill>
+              <a:srgbClr val="FBF32A"/>
+            </a:solidFill>
+          </a:ln>
+          <a:effectLst/>
+        </p:spPr>
+        <p:style>
+          <a:lnRef idx="1">
+            <a:schemeClr val="accent1"/>
+          </a:lnRef>
+          <a:fillRef idx="3">
+            <a:schemeClr val="accent1"/>
+          </a:fillRef>
+          <a:effectRef idx="2">
+            <a:schemeClr val="accent1"/>
+          </a:effectRef>
+          <a:fontRef idx="minor">
+            <a:schemeClr val="lt1"/>
+          </a:fontRef>
+        </p:style>
+        <p:txBody>
+          <a:bodyPr rtlCol="0" anchor="ctr"/>
+          <a:lstStyle/>
+          <a:p>
+            <a:pPr algn="ctr"/>
+          </a:p>
+        </p:txBody>
+      </p:sp>
+      <p:sp>
+        <p:nvSpPr>
+          <p:cNvPr id="74" name="TextBox 73"/>
           <p:cNvSpPr txBox="1"/>
           <p:nvPr/>
         </p:nvSpPr>
@@ -20865,7 +22913,7 @@
       </p:sp>
       <p:sp>
         <p:nvSpPr>
-          <p:cNvPr id="32" name="Rounded Rectangle 31">
+          <p:cNvPr id="75" name="Rounded Rectangle 74">
             <a:hlinkClick action="ppaction://hlinksldjump" r:id="rId5"/>
           </p:cNvPr>
           <p:cNvSpPr/>
@@ -20923,7 +22971,7 @@
       </p:sp>
       <p:sp>
         <p:nvSpPr>
-          <p:cNvPr id="33" name="Rounded Rectangle 32"/>
+          <p:cNvPr id="76" name="Rounded Rectangle 75"/>
           <p:cNvSpPr/>
           <p:nvPr/>
         </p:nvSpPr>
@@ -20968,7 +23016,7 @@
       </p:sp>
       <p:sp>
         <p:nvSpPr>
-          <p:cNvPr id="34" name="TextBox 33">
+          <p:cNvPr id="77" name="TextBox 76">
             <a:hlinkClick action="ppaction://hlinksldjump" r:id="rId5"/>
           </p:cNvPr>
           <p:cNvSpPr txBox="1"/>
@@ -21006,7 +23054,7 @@
       </p:sp>
       <p:sp>
         <p:nvSpPr>
-          <p:cNvPr id="35" name="TextBox 34">
+          <p:cNvPr id="78" name="TextBox 77">
             <a:hlinkClick action="ppaction://hlinksldjump" r:id="rId5"/>
           </p:cNvPr>
           <p:cNvSpPr txBox="1"/>
@@ -21044,7 +23092,7 @@
       </p:sp>
       <p:sp>
         <p:nvSpPr>
-          <p:cNvPr id="36" name="TextBox 35">
+          <p:cNvPr id="79" name="TextBox 78">
             <a:hlinkClick action="ppaction://hlinksldjump" r:id="rId5"/>
           </p:cNvPr>
           <p:cNvSpPr txBox="1"/>
@@ -21095,7 +23143,7 @@
       </p:sp>
       <p:sp>
         <p:nvSpPr>
-          <p:cNvPr id="37" name="Rounded Rectangle 36">
+          <p:cNvPr id="80" name="Rounded Rectangle 79">
             <a:hlinkClick action="ppaction://hlinksldjump" r:id="rId5"/>
           </p:cNvPr>
           <p:cNvSpPr/>
@@ -21142,7 +23190,7 @@
       </p:sp>
       <p:pic>
         <p:nvPicPr>
-          <p:cNvPr id="38" name="Picture 37" descr="point1.png">
+          <p:cNvPr id="81" name="Picture 80" descr="point1.png">
             <a:hlinkClick action="ppaction://hlinksldjump" r:id="rId5"/>
           </p:cNvPr>
           <p:cNvPicPr>
@@ -21168,7 +23216,7 @@
       </p:pic>
       <p:sp>
         <p:nvSpPr>
-          <p:cNvPr id="39" name="Oval 38"/>
+          <p:cNvPr id="82" name="Oval 81"/>
           <p:cNvSpPr/>
           <p:nvPr/>
         </p:nvSpPr>
@@ -21214,7 +23262,53 @@
       </p:sp>
       <p:sp>
         <p:nvSpPr>
-          <p:cNvPr id="40" name="TextBox 39"/>
+          <p:cNvPr id="83" name="Off-page Connector 82"/>
+          <p:cNvSpPr/>
+          <p:nvPr/>
+        </p:nvSpPr>
+        <p:spPr>
+          <a:xfrm rot="16200000">
+            <a:off x="1551599" y="3412800"/>
+            <a:ext cx="122400" cy="82800"/>
+          </a:xfrm>
+          <a:prstGeom prst="flowChartOffpageConnector">
+            <a:avLst/>
+          </a:prstGeom>
+          <a:solidFill>
+            <a:srgbClr val="FBF32A"/>
+          </a:solidFill>
+          <a:ln w="9525">
+            <a:solidFill>
+              <a:srgbClr val="FBF32A"/>
+            </a:solidFill>
+          </a:ln>
+          <a:effectLst/>
+        </p:spPr>
+        <p:style>
+          <a:lnRef idx="1">
+            <a:schemeClr val="accent1"/>
+          </a:lnRef>
+          <a:fillRef idx="3">
+            <a:schemeClr val="accent1"/>
+          </a:fillRef>
+          <a:effectRef idx="2">
+            <a:schemeClr val="accent1"/>
+          </a:effectRef>
+          <a:fontRef idx="minor">
+            <a:schemeClr val="lt1"/>
+          </a:fontRef>
+        </p:style>
+        <p:txBody>
+          <a:bodyPr rtlCol="0" anchor="ctr"/>
+          <a:lstStyle/>
+          <a:p>
+            <a:pPr algn="ctr"/>
+          </a:p>
+        </p:txBody>
+      </p:sp>
+      <p:sp>
+        <p:nvSpPr>
+          <p:cNvPr id="84" name="TextBox 83"/>
           <p:cNvSpPr txBox="1"/>
           <p:nvPr/>
         </p:nvSpPr>
@@ -21250,7 +23344,7 @@
       </p:sp>
       <p:sp>
         <p:nvSpPr>
-          <p:cNvPr id="41" name="Oval 40"/>
+          <p:cNvPr id="85" name="Oval 84"/>
           <p:cNvSpPr/>
           <p:nvPr/>
         </p:nvSpPr>
@@ -21296,7 +23390,53 @@
       </p:sp>
       <p:sp>
         <p:nvSpPr>
-          <p:cNvPr id="42" name="TextBox 41"/>
+          <p:cNvPr id="86" name="Off-page Connector 85"/>
+          <p:cNvSpPr/>
+          <p:nvPr/>
+        </p:nvSpPr>
+        <p:spPr>
+          <a:xfrm rot="16200000">
+            <a:off x="1551599" y="3578400"/>
+            <a:ext cx="122400" cy="82800"/>
+          </a:xfrm>
+          <a:prstGeom prst="flowChartOffpageConnector">
+            <a:avLst/>
+          </a:prstGeom>
+          <a:solidFill>
+            <a:srgbClr val="FBF32A"/>
+          </a:solidFill>
+          <a:ln w="9525">
+            <a:solidFill>
+              <a:srgbClr val="FBF32A"/>
+            </a:solidFill>
+          </a:ln>
+          <a:effectLst/>
+        </p:spPr>
+        <p:style>
+          <a:lnRef idx="1">
+            <a:schemeClr val="accent1"/>
+          </a:lnRef>
+          <a:fillRef idx="3">
+            <a:schemeClr val="accent1"/>
+          </a:fillRef>
+          <a:effectRef idx="2">
+            <a:schemeClr val="accent1"/>
+          </a:effectRef>
+          <a:fontRef idx="minor">
+            <a:schemeClr val="lt1"/>
+          </a:fontRef>
+        </p:style>
+        <p:txBody>
+          <a:bodyPr rtlCol="0" anchor="ctr"/>
+          <a:lstStyle/>
+          <a:p>
+            <a:pPr algn="ctr"/>
+          </a:p>
+        </p:txBody>
+      </p:sp>
+      <p:sp>
+        <p:nvSpPr>
+          <p:cNvPr id="87" name="TextBox 86"/>
           <p:cNvSpPr txBox="1"/>
           <p:nvPr/>
         </p:nvSpPr>
@@ -21332,7 +23472,7 @@
       </p:sp>
       <p:sp>
         <p:nvSpPr>
-          <p:cNvPr id="43" name="Oval 42"/>
+          <p:cNvPr id="88" name="Oval 87"/>
           <p:cNvSpPr/>
           <p:nvPr/>
         </p:nvSpPr>
@@ -21378,7 +23518,53 @@
       </p:sp>
       <p:sp>
         <p:nvSpPr>
-          <p:cNvPr id="44" name="TextBox 43"/>
+          <p:cNvPr id="89" name="Off-page Connector 88"/>
+          <p:cNvSpPr/>
+          <p:nvPr/>
+        </p:nvSpPr>
+        <p:spPr>
+          <a:xfrm rot="16200000">
+            <a:off x="1551599" y="3744000"/>
+            <a:ext cx="122400" cy="82800"/>
+          </a:xfrm>
+          <a:prstGeom prst="flowChartOffpageConnector">
+            <a:avLst/>
+          </a:prstGeom>
+          <a:solidFill>
+            <a:srgbClr val="FBF32A"/>
+          </a:solidFill>
+          <a:ln w="9525">
+            <a:solidFill>
+              <a:srgbClr val="FBF32A"/>
+            </a:solidFill>
+          </a:ln>
+          <a:effectLst/>
+        </p:spPr>
+        <p:style>
+          <a:lnRef idx="1">
+            <a:schemeClr val="accent1"/>
+          </a:lnRef>
+          <a:fillRef idx="3">
+            <a:schemeClr val="accent1"/>
+          </a:fillRef>
+          <a:effectRef idx="2">
+            <a:schemeClr val="accent1"/>
+          </a:effectRef>
+          <a:fontRef idx="minor">
+            <a:schemeClr val="lt1"/>
+          </a:fontRef>
+        </p:style>
+        <p:txBody>
+          <a:bodyPr rtlCol="0" anchor="ctr"/>
+          <a:lstStyle/>
+          <a:p>
+            <a:pPr algn="ctr"/>
+          </a:p>
+        </p:txBody>
+      </p:sp>
+      <p:sp>
+        <p:nvSpPr>
+          <p:cNvPr id="90" name="TextBox 89"/>
           <p:cNvSpPr txBox="1"/>
           <p:nvPr/>
         </p:nvSpPr>
@@ -21414,7 +23600,7 @@
       </p:sp>
       <p:sp>
         <p:nvSpPr>
-          <p:cNvPr id="45" name="Oval 44"/>
+          <p:cNvPr id="91" name="Oval 90"/>
           <p:cNvSpPr/>
           <p:nvPr/>
         </p:nvSpPr>
@@ -21460,7 +23646,53 @@
       </p:sp>
       <p:sp>
         <p:nvSpPr>
-          <p:cNvPr id="46" name="TextBox 45"/>
+          <p:cNvPr id="92" name="Off-page Connector 91"/>
+          <p:cNvSpPr/>
+          <p:nvPr/>
+        </p:nvSpPr>
+        <p:spPr>
+          <a:xfrm rot="16200000">
+            <a:off x="1551599" y="3909600"/>
+            <a:ext cx="122400" cy="82800"/>
+          </a:xfrm>
+          <a:prstGeom prst="flowChartOffpageConnector">
+            <a:avLst/>
+          </a:prstGeom>
+          <a:solidFill>
+            <a:srgbClr val="FBF32A"/>
+          </a:solidFill>
+          <a:ln w="9525">
+            <a:solidFill>
+              <a:srgbClr val="FBF32A"/>
+            </a:solidFill>
+          </a:ln>
+          <a:effectLst/>
+        </p:spPr>
+        <p:style>
+          <a:lnRef idx="1">
+            <a:schemeClr val="accent1"/>
+          </a:lnRef>
+          <a:fillRef idx="3">
+            <a:schemeClr val="accent1"/>
+          </a:fillRef>
+          <a:effectRef idx="2">
+            <a:schemeClr val="accent1"/>
+          </a:effectRef>
+          <a:fontRef idx="minor">
+            <a:schemeClr val="lt1"/>
+          </a:fontRef>
+        </p:style>
+        <p:txBody>
+          <a:bodyPr rtlCol="0" anchor="ctr"/>
+          <a:lstStyle/>
+          <a:p>
+            <a:pPr algn="ctr"/>
+          </a:p>
+        </p:txBody>
+      </p:sp>
+      <p:sp>
+        <p:nvSpPr>
+          <p:cNvPr id="93" name="TextBox 92"/>
           <p:cNvSpPr txBox="1"/>
           <p:nvPr/>
         </p:nvSpPr>
@@ -21497,7 +23729,7 @@
       </p:sp>
       <p:sp>
         <p:nvSpPr>
-          <p:cNvPr id="47" name="Rounded Rectangle 46">
+          <p:cNvPr id="94" name="Rounded Rectangle 93">
             <a:hlinkClick action="ppaction://hlinksldjump" r:id="rId6"/>
           </p:cNvPr>
           <p:cNvSpPr/>
@@ -21555,7 +23787,7 @@
       </p:sp>
       <p:sp>
         <p:nvSpPr>
-          <p:cNvPr id="48" name="Rounded Rectangle 47"/>
+          <p:cNvPr id="95" name="Rounded Rectangle 94"/>
           <p:cNvSpPr/>
           <p:nvPr/>
         </p:nvSpPr>
@@ -21600,7 +23832,7 @@
       </p:sp>
       <p:sp>
         <p:nvSpPr>
-          <p:cNvPr id="49" name="TextBox 48">
+          <p:cNvPr id="96" name="TextBox 95">
             <a:hlinkClick action="ppaction://hlinksldjump" r:id="rId6"/>
           </p:cNvPr>
           <p:cNvSpPr txBox="1"/>
@@ -21638,7 +23870,7 @@
       </p:sp>
       <p:sp>
         <p:nvSpPr>
-          <p:cNvPr id="50" name="TextBox 49">
+          <p:cNvPr id="97" name="TextBox 96">
             <a:hlinkClick action="ppaction://hlinksldjump" r:id="rId6"/>
           </p:cNvPr>
           <p:cNvSpPr txBox="1"/>
@@ -21676,7 +23908,7 @@
       </p:sp>
       <p:sp>
         <p:nvSpPr>
-          <p:cNvPr id="51" name="TextBox 50">
+          <p:cNvPr id="98" name="TextBox 97">
             <a:hlinkClick action="ppaction://hlinksldjump" r:id="rId6"/>
           </p:cNvPr>
           <p:cNvSpPr txBox="1"/>
@@ -21727,7 +23959,7 @@
       </p:sp>
       <p:sp>
         <p:nvSpPr>
-          <p:cNvPr id="52" name="Rounded Rectangle 51">
+          <p:cNvPr id="99" name="Rounded Rectangle 98">
             <a:hlinkClick action="ppaction://hlinksldjump" r:id="rId6"/>
           </p:cNvPr>
           <p:cNvSpPr/>
@@ -21774,7 +24006,7 @@
       </p:sp>
       <p:pic>
         <p:nvPicPr>
-          <p:cNvPr id="53" name="Picture 52" descr="point1.png">
+          <p:cNvPr id="100" name="Picture 99" descr="point1.png">
             <a:hlinkClick action="ppaction://hlinksldjump" r:id="rId6"/>
           </p:cNvPr>
           <p:cNvPicPr>
@@ -21800,7 +24032,7 @@
       </p:pic>
       <p:sp>
         <p:nvSpPr>
-          <p:cNvPr id="54" name="Oval 53"/>
+          <p:cNvPr id="101" name="Oval 100"/>
           <p:cNvSpPr/>
           <p:nvPr/>
         </p:nvSpPr>
@@ -21846,7 +24078,53 @@
       </p:sp>
       <p:sp>
         <p:nvSpPr>
-          <p:cNvPr id="55" name="TextBox 54"/>
+          <p:cNvPr id="102" name="Off-page Connector 101"/>
+          <p:cNvSpPr/>
+          <p:nvPr/>
+        </p:nvSpPr>
+        <p:spPr>
+          <a:xfrm rot="16200000">
+            <a:off x="1551599" y="4492800"/>
+            <a:ext cx="122400" cy="82800"/>
+          </a:xfrm>
+          <a:prstGeom prst="flowChartOffpageConnector">
+            <a:avLst/>
+          </a:prstGeom>
+          <a:solidFill>
+            <a:srgbClr val="FBF32A"/>
+          </a:solidFill>
+          <a:ln w="9525">
+            <a:solidFill>
+              <a:srgbClr val="FBF32A"/>
+            </a:solidFill>
+          </a:ln>
+          <a:effectLst/>
+        </p:spPr>
+        <p:style>
+          <a:lnRef idx="1">
+            <a:schemeClr val="accent1"/>
+          </a:lnRef>
+          <a:fillRef idx="3">
+            <a:schemeClr val="accent1"/>
+          </a:fillRef>
+          <a:effectRef idx="2">
+            <a:schemeClr val="accent1"/>
+          </a:effectRef>
+          <a:fontRef idx="minor">
+            <a:schemeClr val="lt1"/>
+          </a:fontRef>
+        </p:style>
+        <p:txBody>
+          <a:bodyPr rtlCol="0" anchor="ctr"/>
+          <a:lstStyle/>
+          <a:p>
+            <a:pPr algn="ctr"/>
+          </a:p>
+        </p:txBody>
+      </p:sp>
+      <p:sp>
+        <p:nvSpPr>
+          <p:cNvPr id="103" name="TextBox 102"/>
           <p:cNvSpPr txBox="1"/>
           <p:nvPr/>
         </p:nvSpPr>
@@ -21882,7 +24160,7 @@
       </p:sp>
       <p:sp>
         <p:nvSpPr>
-          <p:cNvPr id="56" name="Oval 55"/>
+          <p:cNvPr id="104" name="Oval 103"/>
           <p:cNvSpPr/>
           <p:nvPr/>
         </p:nvSpPr>
@@ -21928,7 +24206,53 @@
       </p:sp>
       <p:sp>
         <p:nvSpPr>
-          <p:cNvPr id="57" name="TextBox 56"/>
+          <p:cNvPr id="105" name="Off-page Connector 104"/>
+          <p:cNvSpPr/>
+          <p:nvPr/>
+        </p:nvSpPr>
+        <p:spPr>
+          <a:xfrm rot="16200000">
+            <a:off x="1551599" y="4658400"/>
+            <a:ext cx="122400" cy="82800"/>
+          </a:xfrm>
+          <a:prstGeom prst="flowChartOffpageConnector">
+            <a:avLst/>
+          </a:prstGeom>
+          <a:solidFill>
+            <a:srgbClr val="FBF32A"/>
+          </a:solidFill>
+          <a:ln w="9525">
+            <a:solidFill>
+              <a:srgbClr val="FBF32A"/>
+            </a:solidFill>
+          </a:ln>
+          <a:effectLst/>
+        </p:spPr>
+        <p:style>
+          <a:lnRef idx="1">
+            <a:schemeClr val="accent1"/>
+          </a:lnRef>
+          <a:fillRef idx="3">
+            <a:schemeClr val="accent1"/>
+          </a:fillRef>
+          <a:effectRef idx="2">
+            <a:schemeClr val="accent1"/>
+          </a:effectRef>
+          <a:fontRef idx="minor">
+            <a:schemeClr val="lt1"/>
+          </a:fontRef>
+        </p:style>
+        <p:txBody>
+          <a:bodyPr rtlCol="0" anchor="ctr"/>
+          <a:lstStyle/>
+          <a:p>
+            <a:pPr algn="ctr"/>
+          </a:p>
+        </p:txBody>
+      </p:sp>
+      <p:sp>
+        <p:nvSpPr>
+          <p:cNvPr id="106" name="TextBox 105"/>
           <p:cNvSpPr txBox="1"/>
           <p:nvPr/>
         </p:nvSpPr>
@@ -21964,7 +24288,7 @@
       </p:sp>
       <p:sp>
         <p:nvSpPr>
-          <p:cNvPr id="58" name="Oval 57"/>
+          <p:cNvPr id="107" name="Oval 106"/>
           <p:cNvSpPr/>
           <p:nvPr/>
         </p:nvSpPr>
@@ -22010,7 +24334,53 @@
       </p:sp>
       <p:sp>
         <p:nvSpPr>
-          <p:cNvPr id="59" name="TextBox 58"/>
+          <p:cNvPr id="108" name="Off-page Connector 107"/>
+          <p:cNvSpPr/>
+          <p:nvPr/>
+        </p:nvSpPr>
+        <p:spPr>
+          <a:xfrm rot="16200000">
+            <a:off x="1551599" y="4824000"/>
+            <a:ext cx="122400" cy="82800"/>
+          </a:xfrm>
+          <a:prstGeom prst="flowChartOffpageConnector">
+            <a:avLst/>
+          </a:prstGeom>
+          <a:solidFill>
+            <a:srgbClr val="FBF32A"/>
+          </a:solidFill>
+          <a:ln w="9525">
+            <a:solidFill>
+              <a:srgbClr val="FBF32A"/>
+            </a:solidFill>
+          </a:ln>
+          <a:effectLst/>
+        </p:spPr>
+        <p:style>
+          <a:lnRef idx="1">
+            <a:schemeClr val="accent1"/>
+          </a:lnRef>
+          <a:fillRef idx="3">
+            <a:schemeClr val="accent1"/>
+          </a:fillRef>
+          <a:effectRef idx="2">
+            <a:schemeClr val="accent1"/>
+          </a:effectRef>
+          <a:fontRef idx="minor">
+            <a:schemeClr val="lt1"/>
+          </a:fontRef>
+        </p:style>
+        <p:txBody>
+          <a:bodyPr rtlCol="0" anchor="ctr"/>
+          <a:lstStyle/>
+          <a:p>
+            <a:pPr algn="ctr"/>
+          </a:p>
+        </p:txBody>
+      </p:sp>
+      <p:sp>
+        <p:nvSpPr>
+          <p:cNvPr id="109" name="TextBox 108"/>
           <p:cNvSpPr txBox="1"/>
           <p:nvPr/>
         </p:nvSpPr>
@@ -22046,7 +24416,7 @@
       </p:sp>
       <p:sp>
         <p:nvSpPr>
-          <p:cNvPr id="60" name="Oval 59"/>
+          <p:cNvPr id="110" name="Oval 109"/>
           <p:cNvSpPr/>
           <p:nvPr/>
         </p:nvSpPr>
@@ -22092,7 +24462,53 @@
       </p:sp>
       <p:sp>
         <p:nvSpPr>
-          <p:cNvPr id="61" name="TextBox 60"/>
+          <p:cNvPr id="111" name="Off-page Connector 110"/>
+          <p:cNvSpPr/>
+          <p:nvPr/>
+        </p:nvSpPr>
+        <p:spPr>
+          <a:xfrm rot="16200000">
+            <a:off x="1551599" y="4989600"/>
+            <a:ext cx="122400" cy="82800"/>
+          </a:xfrm>
+          <a:prstGeom prst="flowChartOffpageConnector">
+            <a:avLst/>
+          </a:prstGeom>
+          <a:solidFill>
+            <a:srgbClr val="FBF32A"/>
+          </a:solidFill>
+          <a:ln w="9525">
+            <a:solidFill>
+              <a:srgbClr val="FBF32A"/>
+            </a:solidFill>
+          </a:ln>
+          <a:effectLst/>
+        </p:spPr>
+        <p:style>
+          <a:lnRef idx="1">
+            <a:schemeClr val="accent1"/>
+          </a:lnRef>
+          <a:fillRef idx="3">
+            <a:schemeClr val="accent1"/>
+          </a:fillRef>
+          <a:effectRef idx="2">
+            <a:schemeClr val="accent1"/>
+          </a:effectRef>
+          <a:fontRef idx="minor">
+            <a:schemeClr val="lt1"/>
+          </a:fontRef>
+        </p:style>
+        <p:txBody>
+          <a:bodyPr rtlCol="0" anchor="ctr"/>
+          <a:lstStyle/>
+          <a:p>
+            <a:pPr algn="ctr"/>
+          </a:p>
+        </p:txBody>
+      </p:sp>
+      <p:sp>
+        <p:nvSpPr>
+          <p:cNvPr id="112" name="TextBox 111"/>
           <p:cNvSpPr txBox="1"/>
           <p:nvPr/>
         </p:nvSpPr>
@@ -22129,7 +24545,7 @@
       </p:sp>
       <p:sp>
         <p:nvSpPr>
-          <p:cNvPr id="62" name="Rounded Rectangle 61">
+          <p:cNvPr id="113" name="Rounded Rectangle 112">
             <a:hlinkClick action="ppaction://hlinksldjump" r:id="rId7"/>
           </p:cNvPr>
           <p:cNvSpPr/>
@@ -22187,7 +24603,7 @@
       </p:sp>
       <p:sp>
         <p:nvSpPr>
-          <p:cNvPr id="63" name="Rounded Rectangle 62"/>
+          <p:cNvPr id="114" name="Rounded Rectangle 113"/>
           <p:cNvSpPr/>
           <p:nvPr/>
         </p:nvSpPr>
@@ -22232,7 +24648,7 @@
       </p:sp>
       <p:sp>
         <p:nvSpPr>
-          <p:cNvPr id="64" name="TextBox 63">
+          <p:cNvPr id="115" name="TextBox 114">
             <a:hlinkClick action="ppaction://hlinksldjump" r:id="rId7"/>
           </p:cNvPr>
           <p:cNvSpPr txBox="1"/>
@@ -22270,7 +24686,7 @@
       </p:sp>
       <p:sp>
         <p:nvSpPr>
-          <p:cNvPr id="65" name="TextBox 64">
+          <p:cNvPr id="116" name="TextBox 115">
             <a:hlinkClick action="ppaction://hlinksldjump" r:id="rId7"/>
           </p:cNvPr>
           <p:cNvSpPr txBox="1"/>
@@ -22308,7 +24724,7 @@
       </p:sp>
       <p:sp>
         <p:nvSpPr>
-          <p:cNvPr id="66" name="TextBox 65">
+          <p:cNvPr id="117" name="TextBox 116">
             <a:hlinkClick action="ppaction://hlinksldjump" r:id="rId7"/>
           </p:cNvPr>
           <p:cNvSpPr txBox="1"/>
@@ -22359,7 +24775,7 @@
       </p:sp>
       <p:sp>
         <p:nvSpPr>
-          <p:cNvPr id="67" name="Rounded Rectangle 66">
+          <p:cNvPr id="118" name="Rounded Rectangle 117">
             <a:hlinkClick action="ppaction://hlinksldjump" r:id="rId7"/>
           </p:cNvPr>
           <p:cNvSpPr/>
@@ -22406,7 +24822,7 @@
       </p:sp>
       <p:pic>
         <p:nvPicPr>
-          <p:cNvPr id="68" name="Picture 67" descr="point1.png">
+          <p:cNvPr id="119" name="Picture 118" descr="point1.png">
             <a:hlinkClick action="ppaction://hlinksldjump" r:id="rId7"/>
           </p:cNvPr>
           <p:cNvPicPr>
@@ -22432,7 +24848,7 @@
       </p:pic>
       <p:sp>
         <p:nvSpPr>
-          <p:cNvPr id="69" name="Oval 68"/>
+          <p:cNvPr id="120" name="Oval 119"/>
           <p:cNvSpPr/>
           <p:nvPr/>
         </p:nvSpPr>
@@ -22478,7 +24894,53 @@
       </p:sp>
       <p:sp>
         <p:nvSpPr>
-          <p:cNvPr id="70" name="TextBox 69"/>
+          <p:cNvPr id="121" name="Off-page Connector 120"/>
+          <p:cNvSpPr/>
+          <p:nvPr/>
+        </p:nvSpPr>
+        <p:spPr>
+          <a:xfrm rot="16200000">
+            <a:off x="1551599" y="5572800"/>
+            <a:ext cx="122400" cy="82800"/>
+          </a:xfrm>
+          <a:prstGeom prst="flowChartOffpageConnector">
+            <a:avLst/>
+          </a:prstGeom>
+          <a:solidFill>
+            <a:srgbClr val="FBF32A"/>
+          </a:solidFill>
+          <a:ln w="9525">
+            <a:solidFill>
+              <a:srgbClr val="FBF32A"/>
+            </a:solidFill>
+          </a:ln>
+          <a:effectLst/>
+        </p:spPr>
+        <p:style>
+          <a:lnRef idx="1">
+            <a:schemeClr val="accent1"/>
+          </a:lnRef>
+          <a:fillRef idx="3">
+            <a:schemeClr val="accent1"/>
+          </a:fillRef>
+          <a:effectRef idx="2">
+            <a:schemeClr val="accent1"/>
+          </a:effectRef>
+          <a:fontRef idx="minor">
+            <a:schemeClr val="lt1"/>
+          </a:fontRef>
+        </p:style>
+        <p:txBody>
+          <a:bodyPr rtlCol="0" anchor="ctr"/>
+          <a:lstStyle/>
+          <a:p>
+            <a:pPr algn="ctr"/>
+          </a:p>
+        </p:txBody>
+      </p:sp>
+      <p:sp>
+        <p:nvSpPr>
+          <p:cNvPr id="122" name="TextBox 121"/>
           <p:cNvSpPr txBox="1"/>
           <p:nvPr/>
         </p:nvSpPr>
@@ -22514,7 +24976,7 @@
       </p:sp>
       <p:sp>
         <p:nvSpPr>
-          <p:cNvPr id="71" name="Oval 70"/>
+          <p:cNvPr id="123" name="Oval 122"/>
           <p:cNvSpPr/>
           <p:nvPr/>
         </p:nvSpPr>
@@ -22560,7 +25022,53 @@
       </p:sp>
       <p:sp>
         <p:nvSpPr>
-          <p:cNvPr id="72" name="TextBox 71"/>
+          <p:cNvPr id="124" name="Off-page Connector 123"/>
+          <p:cNvSpPr/>
+          <p:nvPr/>
+        </p:nvSpPr>
+        <p:spPr>
+          <a:xfrm rot="16200000">
+            <a:off x="1551599" y="5738400"/>
+            <a:ext cx="122400" cy="82800"/>
+          </a:xfrm>
+          <a:prstGeom prst="flowChartOffpageConnector">
+            <a:avLst/>
+          </a:prstGeom>
+          <a:solidFill>
+            <a:srgbClr val="FBF32A"/>
+          </a:solidFill>
+          <a:ln w="9525">
+            <a:solidFill>
+              <a:srgbClr val="FBF32A"/>
+            </a:solidFill>
+          </a:ln>
+          <a:effectLst/>
+        </p:spPr>
+        <p:style>
+          <a:lnRef idx="1">
+            <a:schemeClr val="accent1"/>
+          </a:lnRef>
+          <a:fillRef idx="3">
+            <a:schemeClr val="accent1"/>
+          </a:fillRef>
+          <a:effectRef idx="2">
+            <a:schemeClr val="accent1"/>
+          </a:effectRef>
+          <a:fontRef idx="minor">
+            <a:schemeClr val="lt1"/>
+          </a:fontRef>
+        </p:style>
+        <p:txBody>
+          <a:bodyPr rtlCol="0" anchor="ctr"/>
+          <a:lstStyle/>
+          <a:p>
+            <a:pPr algn="ctr"/>
+          </a:p>
+        </p:txBody>
+      </p:sp>
+      <p:sp>
+        <p:nvSpPr>
+          <p:cNvPr id="125" name="TextBox 124"/>
           <p:cNvSpPr txBox="1"/>
           <p:nvPr/>
         </p:nvSpPr>
@@ -22596,7 +25104,7 @@
       </p:sp>
       <p:sp>
         <p:nvSpPr>
-          <p:cNvPr id="73" name="Oval 72"/>
+          <p:cNvPr id="126" name="Oval 125"/>
           <p:cNvSpPr/>
           <p:nvPr/>
         </p:nvSpPr>
@@ -22642,7 +25150,53 @@
       </p:sp>
       <p:sp>
         <p:nvSpPr>
-          <p:cNvPr id="74" name="TextBox 73"/>
+          <p:cNvPr id="127" name="Off-page Connector 126"/>
+          <p:cNvSpPr/>
+          <p:nvPr/>
+        </p:nvSpPr>
+        <p:spPr>
+          <a:xfrm rot="16200000">
+            <a:off x="1551599" y="5904000"/>
+            <a:ext cx="122400" cy="82800"/>
+          </a:xfrm>
+          <a:prstGeom prst="flowChartOffpageConnector">
+            <a:avLst/>
+          </a:prstGeom>
+          <a:solidFill>
+            <a:srgbClr val="FBF32A"/>
+          </a:solidFill>
+          <a:ln w="9525">
+            <a:solidFill>
+              <a:srgbClr val="FBF32A"/>
+            </a:solidFill>
+          </a:ln>
+          <a:effectLst/>
+        </p:spPr>
+        <p:style>
+          <a:lnRef idx="1">
+            <a:schemeClr val="accent1"/>
+          </a:lnRef>
+          <a:fillRef idx="3">
+            <a:schemeClr val="accent1"/>
+          </a:fillRef>
+          <a:effectRef idx="2">
+            <a:schemeClr val="accent1"/>
+          </a:effectRef>
+          <a:fontRef idx="minor">
+            <a:schemeClr val="lt1"/>
+          </a:fontRef>
+        </p:style>
+        <p:txBody>
+          <a:bodyPr rtlCol="0" anchor="ctr"/>
+          <a:lstStyle/>
+          <a:p>
+            <a:pPr algn="ctr"/>
+          </a:p>
+        </p:txBody>
+      </p:sp>
+      <p:sp>
+        <p:nvSpPr>
+          <p:cNvPr id="128" name="TextBox 127"/>
           <p:cNvSpPr txBox="1"/>
           <p:nvPr/>
         </p:nvSpPr>
@@ -22678,7 +25232,7 @@
       </p:sp>
       <p:sp>
         <p:nvSpPr>
-          <p:cNvPr id="75" name="Oval 74"/>
+          <p:cNvPr id="129" name="Oval 128"/>
           <p:cNvSpPr/>
           <p:nvPr/>
         </p:nvSpPr>
@@ -22724,7 +25278,53 @@
       </p:sp>
       <p:sp>
         <p:nvSpPr>
-          <p:cNvPr id="76" name="TextBox 75"/>
+          <p:cNvPr id="130" name="Off-page Connector 129"/>
+          <p:cNvSpPr/>
+          <p:nvPr/>
+        </p:nvSpPr>
+        <p:spPr>
+          <a:xfrm rot="16200000">
+            <a:off x="1551599" y="6069600"/>
+            <a:ext cx="122400" cy="82800"/>
+          </a:xfrm>
+          <a:prstGeom prst="flowChartOffpageConnector">
+            <a:avLst/>
+          </a:prstGeom>
+          <a:solidFill>
+            <a:srgbClr val="FBF32A"/>
+          </a:solidFill>
+          <a:ln w="9525">
+            <a:solidFill>
+              <a:srgbClr val="FBF32A"/>
+            </a:solidFill>
+          </a:ln>
+          <a:effectLst/>
+        </p:spPr>
+        <p:style>
+          <a:lnRef idx="1">
+            <a:schemeClr val="accent1"/>
+          </a:lnRef>
+          <a:fillRef idx="3">
+            <a:schemeClr val="accent1"/>
+          </a:fillRef>
+          <a:effectRef idx="2">
+            <a:schemeClr val="accent1"/>
+          </a:effectRef>
+          <a:fontRef idx="minor">
+            <a:schemeClr val="lt1"/>
+          </a:fontRef>
+        </p:style>
+        <p:txBody>
+          <a:bodyPr rtlCol="0" anchor="ctr"/>
+          <a:lstStyle/>
+          <a:p>
+            <a:pPr algn="ctr"/>
+          </a:p>
+        </p:txBody>
+      </p:sp>
+      <p:sp>
+        <p:nvSpPr>
+          <p:cNvPr id="131" name="TextBox 130"/>
           <p:cNvSpPr txBox="1"/>
           <p:nvPr/>
         </p:nvSpPr>
